--- a/algorithm design.pptx
+++ b/algorithm design.pptx
@@ -116,7 +116,7 @@
 <file path=ppt/revisionInfo.xml><?xml version="1.0" encoding="utf-8"?>
 <p1510:revInfo xmlns:a="http://schemas.openxmlformats.org/drawingml/2006/main" xmlns:r="http://schemas.openxmlformats.org/officeDocument/2006/relationships" xmlns:p1510="http://schemas.microsoft.com/office/powerpoint/2015/10/main">
   <p1510:revLst>
-    <p1510:client id="{3E04CE2F-7F4E-4A6B-A71D-734C39C46A4B}" v="553" dt="2023-11-05T14:28:32.995"/>
+    <p1510:client id="{3E04CE2F-7F4E-4A6B-A71D-734C39C46A4B}" v="661" dt="2023-11-05T14:45:20.947"/>
   </p1510:revLst>
 </p1510:revInfo>
 </file>
@@ -3164,16 +3164,12 @@
           <a:p>
             <a:pPr marL="457200" indent="-457200"/>
             <a:r>
-              <a:rPr lang="en-US" sz="1800">
+              <a:rPr lang="en-US" sz="1800" dirty="0">
                 <a:latin typeface="Arial Nova"/>
                 <a:cs typeface="Calibri"/>
               </a:rPr>
               <a:t>We need to fill the available schedule slots with those availabilities such that:</a:t>
             </a:r>
-            <a:endParaRPr lang="en-US" sz="1800" dirty="0">
-              <a:latin typeface="Arial Nova"/>
-              <a:cs typeface="Calibri"/>
-            </a:endParaRPr>
           </a:p>
           <a:p>
             <a:pPr marL="914400" lvl="1" indent="-457200">
@@ -3211,6 +3207,18 @@
                 <a:cs typeface="Calibri"/>
               </a:rPr>
               <a:t> if there are multiple valid schedules we want our algorithm to pick the schedule that provide best outcomes in any aspect (academic , cost , …) ,this could be achieved  for example by prioritize the senior professors , prioritize the full time faculties and so on.</a:t>
+            </a:r>
+          </a:p>
+          <a:p>
+            <a:pPr marL="914400" lvl="1" indent="-457200">
+              <a:buAutoNum type="arabicPeriod"/>
+            </a:pPr>
+            <a:r>
+              <a:rPr lang="en-US" sz="1800" dirty="0">
+                <a:latin typeface="Arial Nova"/>
+                <a:cs typeface="Calibri"/>
+              </a:rPr>
+              <a:t>The output schedule should guaranteed that all required courses for one year should be provided and as much as possible of elective courses</a:t>
             </a:r>
           </a:p>
           <a:p>

--- a/algorithm design.pptx
+++ b/algorithm design.pptx
@@ -7,6 +7,7 @@
   <p:sldIdLst>
     <p:sldId id="256" r:id="rId2"/>
     <p:sldId id="257" r:id="rId3"/>
+    <p:sldId id="258" r:id="rId4"/>
   </p:sldIdLst>
   <p:sldSz cx="12192000" cy="6858000"/>
   <p:notesSz cx="6858000" cy="9144000"/>
@@ -117,6 +118,7 @@
 <p1510:revInfo xmlns:a="http://schemas.openxmlformats.org/drawingml/2006/main" xmlns:r="http://schemas.openxmlformats.org/officeDocument/2006/relationships" xmlns:p1510="http://schemas.microsoft.com/office/powerpoint/2015/10/main">
   <p1510:revLst>
     <p1510:client id="{3E04CE2F-7F4E-4A6B-A71D-734C39C46A4B}" v="661" dt="2023-11-05T14:45:20.947"/>
+    <p1510:client id="{DD752246-19E9-F5D7-3CAE-689A5013460A}" v="131" dt="2023-11-06T04:37:59.157"/>
   </p1510:revLst>
 </p1510:revInfo>
 </file>
@@ -3287,6 +3289,116 @@
 </p:sld>
 </file>
 
+<file path=ppt/slides/slide3.xml><?xml version="1.0" encoding="utf-8"?>
+<p:sld xmlns:a="http://schemas.openxmlformats.org/drawingml/2006/main" xmlns:r="http://schemas.openxmlformats.org/officeDocument/2006/relationships" xmlns:p="http://schemas.openxmlformats.org/presentationml/2006/main">
+  <p:cSld>
+    <p:spTree>
+      <p:nvGrpSpPr>
+        <p:cNvPr id="1" name=""/>
+        <p:cNvGrpSpPr/>
+        <p:nvPr/>
+      </p:nvGrpSpPr>
+      <p:grpSpPr>
+        <a:xfrm>
+          <a:off x="0" y="0"/>
+          <a:ext cx="0" cy="0"/>
+          <a:chOff x="0" y="0"/>
+          <a:chExt cx="0" cy="0"/>
+        </a:xfrm>
+      </p:grpSpPr>
+      <p:sp>
+        <p:nvSpPr>
+          <p:cNvPr id="2" name="Title 1">
+            <a:extLst>
+              <a:ext uri="{FF2B5EF4-FFF2-40B4-BE49-F238E27FC236}">
+                <a16:creationId xmlns:a16="http://schemas.microsoft.com/office/drawing/2014/main" id="{5EC92599-0504-23F5-7952-867CB89498F0}"/>
+              </a:ext>
+            </a:extLst>
+          </p:cNvPr>
+          <p:cNvSpPr>
+            <a:spLocks noGrp="1"/>
+          </p:cNvSpPr>
+          <p:nvPr>
+            <p:ph type="title"/>
+          </p:nvPr>
+        </p:nvSpPr>
+        <p:spPr/>
+        <p:txBody>
+          <a:bodyPr/>
+          <a:lstStyle/>
+          <a:p>
+            <a:r>
+              <a:rPr lang="en-US" b="1" dirty="0">
+                <a:ea typeface="Calibri Light"/>
+                <a:cs typeface="Calibri Light"/>
+              </a:rPr>
+              <a:t>Input:</a:t>
+            </a:r>
+            <a:endParaRPr lang="en-US" b="1" dirty="0"/>
+          </a:p>
+        </p:txBody>
+      </p:sp>
+      <p:sp>
+        <p:nvSpPr>
+          <p:cNvPr id="3" name="Content Placeholder 2">
+            <a:extLst>
+              <a:ext uri="{FF2B5EF4-FFF2-40B4-BE49-F238E27FC236}">
+                <a16:creationId xmlns:a16="http://schemas.microsoft.com/office/drawing/2014/main" id="{867AD1C4-A775-772D-033F-F93DAAF6DF08}"/>
+              </a:ext>
+            </a:extLst>
+          </p:cNvPr>
+          <p:cNvSpPr>
+            <a:spLocks noGrp="1"/>
+          </p:cNvSpPr>
+          <p:nvPr>
+            <p:ph idx="1"/>
+          </p:nvPr>
+        </p:nvSpPr>
+        <p:spPr/>
+        <p:txBody>
+          <a:bodyPr vert="horz" lIns="91440" tIns="45720" rIns="91440" bIns="45720" rtlCol="0" anchor="t">
+            <a:normAutofit/>
+          </a:bodyPr>
+          <a:lstStyle/>
+          <a:p>
+            <a:r>
+              <a:rPr lang="en-US" dirty="0">
+                <a:ea typeface="Calibri"/>
+                <a:cs typeface="Calibri"/>
+              </a:rPr>
+              <a:t>List of availabilities:  a list that connect between (professor ,course he choose to teach , a time slot on the schedule)</a:t>
+            </a:r>
+          </a:p>
+          <a:p>
+            <a:r>
+              <a:rPr lang="en-US" dirty="0">
+                <a:ea typeface="Calibri"/>
+                <a:cs typeface="Calibri"/>
+              </a:rPr>
+              <a:t>Detroit Mercy time slots, The available times for courses at the University of Detroit Mercy.</a:t>
+            </a:r>
+          </a:p>
+          <a:p>
+            <a:endParaRPr lang="en-US" dirty="0">
+              <a:ea typeface="Calibri" panose="020F0502020204030204"/>
+              <a:cs typeface="Calibri" panose="020F0502020204030204"/>
+            </a:endParaRPr>
+          </a:p>
+        </p:txBody>
+      </p:sp>
+    </p:spTree>
+    <p:extLst>
+      <p:ext uri="{BB962C8B-B14F-4D97-AF65-F5344CB8AC3E}">
+        <p14:creationId xmlns:p14="http://schemas.microsoft.com/office/powerpoint/2010/main" val="3777289671"/>
+      </p:ext>
+    </p:extLst>
+  </p:cSld>
+  <p:clrMapOvr>
+    <a:masterClrMapping/>
+  </p:clrMapOvr>
+</p:sld>
+</file>
+
 <file path=ppt/theme/theme1.xml><?xml version="1.0" encoding="utf-8"?>
 <a:theme xmlns:a="http://schemas.openxmlformats.org/drawingml/2006/main" name="office theme">
   <a:themeElements>

--- a/algorithm design.pptx
+++ b/algorithm design.pptx
@@ -8,6 +8,7 @@
     <p:sldId id="256" r:id="rId2"/>
     <p:sldId id="257" r:id="rId3"/>
     <p:sldId id="258" r:id="rId4"/>
+    <p:sldId id="259" r:id="rId5"/>
   </p:sldIdLst>
   <p:sldSz cx="12192000" cy="6858000"/>
   <p:notesSz cx="6858000" cy="9144000"/>
@@ -118,7 +119,7 @@
 <p1510:revInfo xmlns:a="http://schemas.openxmlformats.org/drawingml/2006/main" xmlns:r="http://schemas.openxmlformats.org/officeDocument/2006/relationships" xmlns:p1510="http://schemas.microsoft.com/office/powerpoint/2015/10/main">
   <p1510:revLst>
     <p1510:client id="{3E04CE2F-7F4E-4A6B-A71D-734C39C46A4B}" v="661" dt="2023-11-05T14:45:20.947"/>
-    <p1510:client id="{DD752246-19E9-F5D7-3CAE-689A5013460A}" v="131" dt="2023-11-06T04:37:59.157"/>
+    <p1510:client id="{DD752246-19E9-F5D7-3CAE-689A5013460A}" v="299" dt="2023-11-06T04:42:31.170"/>
   </p1510:revLst>
 </p1510:revInfo>
 </file>
@@ -3362,12 +3363,22 @@
           <a:lstStyle/>
           <a:p>
             <a:r>
+              <a:rPr lang="en-US" u="sng" dirty="0">
+                <a:ea typeface="Calibri"/>
+                <a:cs typeface="Calibri"/>
+              </a:rPr>
+              <a:t>Variables:</a:t>
+            </a:r>
+          </a:p>
+          <a:p>
+            <a:r>
               <a:rPr lang="en-US" dirty="0">
                 <a:ea typeface="Calibri"/>
                 <a:cs typeface="Calibri"/>
               </a:rPr>
               <a:t>List of availabilities:  a list that connect between (professor ,course he choose to teach , a time slot on the schedule)</a:t>
             </a:r>
+            <a:endParaRPr lang="en-US"/>
           </a:p>
           <a:p>
             <a:r>
@@ -3379,6 +3390,33 @@
             </a:r>
           </a:p>
           <a:p>
+            <a:r>
+              <a:rPr lang="en-US" u="sng" dirty="0">
+                <a:ea typeface="Calibri" panose="020F0502020204030204"/>
+                <a:cs typeface="Calibri" panose="020F0502020204030204"/>
+              </a:rPr>
+              <a:t>Contants:</a:t>
+            </a:r>
+          </a:p>
+          <a:p>
+            <a:r>
+              <a:rPr lang="en-US" dirty="0">
+                <a:ea typeface="Calibri" panose="020F0502020204030204"/>
+                <a:cs typeface="Calibri" panose="020F0502020204030204"/>
+              </a:rPr>
+              <a:t>List of department professors along with the professor details.</a:t>
+            </a:r>
+          </a:p>
+          <a:p>
+            <a:r>
+              <a:rPr lang="en-US" dirty="0">
+                <a:ea typeface="Calibri" panose="020F0502020204030204"/>
+                <a:cs typeface="Calibri" panose="020F0502020204030204"/>
+              </a:rPr>
+              <a:t>List of courses provided by the department along with the course details.</a:t>
+            </a:r>
+          </a:p>
+          <a:p>
             <a:endParaRPr lang="en-US" dirty="0">
               <a:ea typeface="Calibri" panose="020F0502020204030204"/>
               <a:cs typeface="Calibri" panose="020F0502020204030204"/>
@@ -3390,6 +3428,116 @@
     <p:extLst>
       <p:ext uri="{BB962C8B-B14F-4D97-AF65-F5344CB8AC3E}">
         <p14:creationId xmlns:p14="http://schemas.microsoft.com/office/powerpoint/2010/main" val="3777289671"/>
+      </p:ext>
+    </p:extLst>
+  </p:cSld>
+  <p:clrMapOvr>
+    <a:masterClrMapping/>
+  </p:clrMapOvr>
+</p:sld>
+</file>
+
+<file path=ppt/slides/slide4.xml><?xml version="1.0" encoding="utf-8"?>
+<p:sld xmlns:a="http://schemas.openxmlformats.org/drawingml/2006/main" xmlns:r="http://schemas.openxmlformats.org/officeDocument/2006/relationships" xmlns:p="http://schemas.openxmlformats.org/presentationml/2006/main">
+  <p:cSld>
+    <p:spTree>
+      <p:nvGrpSpPr>
+        <p:cNvPr id="1" name=""/>
+        <p:cNvGrpSpPr/>
+        <p:nvPr/>
+      </p:nvGrpSpPr>
+      <p:grpSpPr>
+        <a:xfrm>
+          <a:off x="0" y="0"/>
+          <a:ext cx="0" cy="0"/>
+          <a:chOff x="0" y="0"/>
+          <a:chExt cx="0" cy="0"/>
+        </a:xfrm>
+      </p:grpSpPr>
+      <p:sp>
+        <p:nvSpPr>
+          <p:cNvPr id="2" name="Title 1">
+            <a:extLst>
+              <a:ext uri="{FF2B5EF4-FFF2-40B4-BE49-F238E27FC236}">
+                <a16:creationId xmlns:a16="http://schemas.microsoft.com/office/drawing/2014/main" id="{7EABA04A-C8EC-4D40-00B5-5D56D86D18FE}"/>
+              </a:ext>
+            </a:extLst>
+          </p:cNvPr>
+          <p:cNvSpPr>
+            <a:spLocks noGrp="1"/>
+          </p:cNvSpPr>
+          <p:nvPr>
+            <p:ph type="title"/>
+          </p:nvPr>
+        </p:nvSpPr>
+        <p:spPr/>
+        <p:txBody>
+          <a:bodyPr/>
+          <a:lstStyle/>
+          <a:p>
+            <a:r>
+              <a:rPr lang="en-US" b="1" dirty="0">
+                <a:ea typeface="Calibri Light"/>
+                <a:cs typeface="Calibri Light"/>
+              </a:rPr>
+              <a:t>Output:</a:t>
+            </a:r>
+            <a:endParaRPr lang="en-US" b="1" dirty="0"/>
+          </a:p>
+        </p:txBody>
+      </p:sp>
+      <p:sp>
+        <p:nvSpPr>
+          <p:cNvPr id="3" name="Content Placeholder 2">
+            <a:extLst>
+              <a:ext uri="{FF2B5EF4-FFF2-40B4-BE49-F238E27FC236}">
+                <a16:creationId xmlns:a16="http://schemas.microsoft.com/office/drawing/2014/main" id="{CE6BE94D-10C7-6537-3358-593A916F403A}"/>
+              </a:ext>
+            </a:extLst>
+          </p:cNvPr>
+          <p:cNvSpPr>
+            <a:spLocks noGrp="1"/>
+          </p:cNvSpPr>
+          <p:nvPr>
+            <p:ph idx="1"/>
+          </p:nvPr>
+        </p:nvSpPr>
+        <p:spPr/>
+        <p:txBody>
+          <a:bodyPr vert="horz" lIns="91440" tIns="45720" rIns="91440" bIns="45720" rtlCol="0" anchor="t">
+            <a:normAutofit/>
+          </a:bodyPr>
+          <a:lstStyle/>
+          <a:p>
+            <a:r>
+              <a:rPr lang="en-US" dirty="0">
+                <a:ea typeface="Calibri"/>
+                <a:cs typeface="Calibri"/>
+              </a:rPr>
+              <a:t>A list of the classes across the week along with the class type and class professors for each major and each year.</a:t>
+            </a:r>
+          </a:p>
+          <a:p>
+            <a:endParaRPr lang="en-US" dirty="0">
+              <a:ea typeface="Calibri"/>
+              <a:cs typeface="Calibri"/>
+            </a:endParaRPr>
+          </a:p>
+          <a:p>
+            <a:r>
+              <a:rPr lang="en-US" dirty="0">
+                <a:ea typeface="Calibri"/>
+                <a:cs typeface="Calibri"/>
+              </a:rPr>
+              <a:t>If there are multiple valid schedule , the algorithm should pick the best option</a:t>
+            </a:r>
+          </a:p>
+        </p:txBody>
+      </p:sp>
+    </p:spTree>
+    <p:extLst>
+      <p:ext uri="{BB962C8B-B14F-4D97-AF65-F5344CB8AC3E}">
+        <p14:creationId xmlns:p14="http://schemas.microsoft.com/office/powerpoint/2010/main" val="379092155"/>
       </p:ext>
     </p:extLst>
   </p:cSld>

--- a/algorithm design.pptx
+++ b/algorithm design.pptx
@@ -9,6 +9,7 @@
     <p:sldId id="257" r:id="rId3"/>
     <p:sldId id="258" r:id="rId4"/>
     <p:sldId id="259" r:id="rId5"/>
+    <p:sldId id="260" r:id="rId6"/>
   </p:sldIdLst>
   <p:sldSz cx="12192000" cy="6858000"/>
   <p:notesSz cx="6858000" cy="9144000"/>
@@ -119,7 +120,7 @@
 <p1510:revInfo xmlns:a="http://schemas.openxmlformats.org/drawingml/2006/main" xmlns:r="http://schemas.openxmlformats.org/officeDocument/2006/relationships" xmlns:p1510="http://schemas.microsoft.com/office/powerpoint/2015/10/main">
   <p1510:revLst>
     <p1510:client id="{3E04CE2F-7F4E-4A6B-A71D-734C39C46A4B}" v="661" dt="2023-11-05T14:45:20.947"/>
-    <p1510:client id="{DD752246-19E9-F5D7-3CAE-689A5013460A}" v="299" dt="2023-11-06T04:42:31.170"/>
+    <p1510:client id="{DD752246-19E9-F5D7-3CAE-689A5013460A}" v="649" dt="2023-11-06T04:49:13.149"/>
   </p1510:revLst>
 </p1510:revInfo>
 </file>
@@ -3547,6 +3548,204 @@
 </p:sld>
 </file>
 
+<file path=ppt/slides/slide5.xml><?xml version="1.0" encoding="utf-8"?>
+<p:sld xmlns:a="http://schemas.openxmlformats.org/drawingml/2006/main" xmlns:r="http://schemas.openxmlformats.org/officeDocument/2006/relationships" xmlns:p="http://schemas.openxmlformats.org/presentationml/2006/main">
+  <p:cSld>
+    <p:spTree>
+      <p:nvGrpSpPr>
+        <p:cNvPr id="1" name=""/>
+        <p:cNvGrpSpPr/>
+        <p:nvPr/>
+      </p:nvGrpSpPr>
+      <p:grpSpPr>
+        <a:xfrm>
+          <a:off x="0" y="0"/>
+          <a:ext cx="0" cy="0"/>
+          <a:chOff x="0" y="0"/>
+          <a:chExt cx="0" cy="0"/>
+        </a:xfrm>
+      </p:grpSpPr>
+      <p:sp>
+        <p:nvSpPr>
+          <p:cNvPr id="2" name="Title 1">
+            <a:extLst>
+              <a:ext uri="{FF2B5EF4-FFF2-40B4-BE49-F238E27FC236}">
+                <a16:creationId xmlns:a16="http://schemas.microsoft.com/office/drawing/2014/main" id="{955AC40A-8F0D-0B18-3B4E-F01EF2F27343}"/>
+              </a:ext>
+            </a:extLst>
+          </p:cNvPr>
+          <p:cNvSpPr>
+            <a:spLocks noGrp="1"/>
+          </p:cNvSpPr>
+          <p:nvPr>
+            <p:ph type="title"/>
+          </p:nvPr>
+        </p:nvSpPr>
+        <p:spPr/>
+        <p:txBody>
+          <a:bodyPr/>
+          <a:lstStyle/>
+          <a:p>
+            <a:r>
+              <a:rPr lang="en-US" dirty="0">
+                <a:ea typeface="Calibri Light"/>
+                <a:cs typeface="Calibri Light"/>
+              </a:rPr>
+              <a:t>How the algorithm will work:</a:t>
+            </a:r>
+            <a:endParaRPr lang="en-US" dirty="0"/>
+          </a:p>
+        </p:txBody>
+      </p:sp>
+      <p:sp>
+        <p:nvSpPr>
+          <p:cNvPr id="3" name="Content Placeholder 2">
+            <a:extLst>
+              <a:ext uri="{FF2B5EF4-FFF2-40B4-BE49-F238E27FC236}">
+                <a16:creationId xmlns:a16="http://schemas.microsoft.com/office/drawing/2014/main" id="{CA5ABCAE-10BE-ABA4-E664-97E1F85AD72D}"/>
+              </a:ext>
+            </a:extLst>
+          </p:cNvPr>
+          <p:cNvSpPr>
+            <a:spLocks noGrp="1"/>
+          </p:cNvSpPr>
+          <p:nvPr>
+            <p:ph idx="1"/>
+          </p:nvPr>
+        </p:nvSpPr>
+        <p:spPr/>
+        <p:txBody>
+          <a:bodyPr vert="horz" lIns="91440" tIns="45720" rIns="91440" bIns="45720" rtlCol="0" anchor="t">
+            <a:normAutofit/>
+          </a:bodyPr>
+          <a:lstStyle/>
+          <a:p>
+            <a:r>
+              <a:rPr lang="en-US" dirty="0">
+                <a:ea typeface="Calibri"/>
+                <a:cs typeface="Calibri"/>
+              </a:rPr>
+              <a:t>The algorithm will follow a </a:t>
+            </a:r>
+            <a:r>
+              <a:rPr lang="en-US" b="1" dirty="0">
+                <a:ea typeface="Calibri"/>
+                <a:cs typeface="Calibri"/>
+              </a:rPr>
+              <a:t>greedy </a:t>
+            </a:r>
+            <a:r>
+              <a:rPr lang="en-US" dirty="0">
+                <a:ea typeface="Calibri"/>
+                <a:cs typeface="Calibri"/>
+              </a:rPr>
+              <a:t>approach:</a:t>
+            </a:r>
+          </a:p>
+          <a:p>
+            <a:pPr lvl="1"/>
+            <a:r>
+              <a:rPr lang="en-US" dirty="0">
+                <a:ea typeface="Calibri"/>
+                <a:cs typeface="Calibri"/>
+              </a:rPr>
+              <a:t>Start with an empty schedule.</a:t>
+            </a:r>
+          </a:p>
+          <a:p>
+            <a:pPr lvl="1"/>
+            <a:r>
+              <a:rPr lang="en-US" dirty="0">
+                <a:ea typeface="Calibri"/>
+                <a:cs typeface="Calibri"/>
+              </a:rPr>
+              <a:t>Loop the schedule available slot.</a:t>
+            </a:r>
+          </a:p>
+          <a:p>
+            <a:pPr lvl="1"/>
+            <a:r>
+              <a:rPr lang="en-US" dirty="0">
+                <a:ea typeface="Calibri"/>
+                <a:cs typeface="Calibri"/>
+              </a:rPr>
+              <a:t>For each slot pick all the possible availabilities that might fit the slot and not </a:t>
+            </a:r>
+            <a:r>
+              <a:rPr lang="en-US">
+                <a:ea typeface="Calibri"/>
+                <a:cs typeface="Calibri"/>
+              </a:rPr>
+              <a:t>been selected yet.</a:t>
+            </a:r>
+            <a:endParaRPr lang="en-US" dirty="0">
+              <a:ea typeface="Calibri"/>
+              <a:cs typeface="Calibri"/>
+            </a:endParaRPr>
+          </a:p>
+          <a:p>
+            <a:pPr lvl="1"/>
+            <a:r>
+              <a:rPr lang="en-US" dirty="0">
+                <a:ea typeface="Calibri"/>
+                <a:cs typeface="Calibri"/>
+              </a:rPr>
+              <a:t>Sort those availabilities according to priority factors, like prioritize the required courses over elective courses.</a:t>
+            </a:r>
+          </a:p>
+          <a:p>
+            <a:pPr lvl="1"/>
+            <a:r>
+              <a:rPr lang="en-US" dirty="0">
+                <a:ea typeface="Calibri"/>
+                <a:cs typeface="Calibri"/>
+              </a:rPr>
+              <a:t>Loop those availabilities from the beginning and pick what ever availability that does not made a conflict in the professor schedule or year </a:t>
+            </a:r>
+            <a:r>
+              <a:rPr lang="en-US">
+                <a:ea typeface="Calibri"/>
+                <a:cs typeface="Calibri"/>
+              </a:rPr>
+              <a:t>schedule.</a:t>
+            </a:r>
+            <a:endParaRPr lang="en-US" dirty="0">
+              <a:ea typeface="Calibri"/>
+              <a:cs typeface="Calibri"/>
+            </a:endParaRPr>
+          </a:p>
+          <a:p>
+            <a:pPr lvl="1"/>
+            <a:r>
+              <a:rPr lang="en-US" dirty="0">
+                <a:ea typeface="Calibri"/>
+                <a:cs typeface="Calibri"/>
+              </a:rPr>
+              <a:t>Assign this availability to the time slot and mark it as selected</a:t>
+            </a:r>
+          </a:p>
+          <a:p>
+            <a:pPr lvl="1"/>
+            <a:endParaRPr lang="en-US" dirty="0">
+              <a:ea typeface="Calibri"/>
+              <a:cs typeface="Calibri"/>
+            </a:endParaRPr>
+          </a:p>
+        </p:txBody>
+      </p:sp>
+    </p:spTree>
+    <p:extLst>
+      <p:ext uri="{BB962C8B-B14F-4D97-AF65-F5344CB8AC3E}">
+        <p14:creationId xmlns:p14="http://schemas.microsoft.com/office/powerpoint/2010/main" val="791719379"/>
+      </p:ext>
+    </p:extLst>
+  </p:cSld>
+  <p:clrMapOvr>
+    <a:masterClrMapping/>
+  </p:clrMapOvr>
+</p:sld>
+</file>
+
 <file path=ppt/theme/theme1.xml><?xml version="1.0" encoding="utf-8"?>
 <a:theme xmlns:a="http://schemas.openxmlformats.org/drawingml/2006/main" name="office theme">
   <a:themeElements>

--- a/algorithm design.pptx
+++ b/algorithm design.pptx
@@ -10,6 +10,7 @@
     <p:sldId id="258" r:id="rId4"/>
     <p:sldId id="259" r:id="rId5"/>
     <p:sldId id="260" r:id="rId6"/>
+    <p:sldId id="261" r:id="rId7"/>
   </p:sldIdLst>
   <p:sldSz cx="12192000" cy="6858000"/>
   <p:notesSz cx="6858000" cy="9144000"/>
@@ -120,7 +121,7 @@
 <p1510:revInfo xmlns:a="http://schemas.openxmlformats.org/drawingml/2006/main" xmlns:r="http://schemas.openxmlformats.org/officeDocument/2006/relationships" xmlns:p1510="http://schemas.microsoft.com/office/powerpoint/2015/10/main">
   <p1510:revLst>
     <p1510:client id="{3E04CE2F-7F4E-4A6B-A71D-734C39C46A4B}" v="661" dt="2023-11-05T14:45:20.947"/>
-    <p1510:client id="{DD752246-19E9-F5D7-3CAE-689A5013460A}" v="649" dt="2023-11-06T04:49:13.149"/>
+    <p1510:client id="{DD752246-19E9-F5D7-3CAE-689A5013460A}" v="1042" dt="2023-11-06T04:56:40.942"/>
   </p1510:revLst>
 </p1510:revInfo>
 </file>
@@ -3746,6 +3747,220 @@
 </p:sld>
 </file>
 
+<file path=ppt/slides/slide6.xml><?xml version="1.0" encoding="utf-8"?>
+<p:sld xmlns:a="http://schemas.openxmlformats.org/drawingml/2006/main" xmlns:r="http://schemas.openxmlformats.org/officeDocument/2006/relationships" xmlns:p="http://schemas.openxmlformats.org/presentationml/2006/main">
+  <p:cSld>
+    <p:spTree>
+      <p:nvGrpSpPr>
+        <p:cNvPr id="1" name=""/>
+        <p:cNvGrpSpPr/>
+        <p:nvPr/>
+      </p:nvGrpSpPr>
+      <p:grpSpPr>
+        <a:xfrm>
+          <a:off x="0" y="0"/>
+          <a:ext cx="0" cy="0"/>
+          <a:chOff x="0" y="0"/>
+          <a:chExt cx="0" cy="0"/>
+        </a:xfrm>
+      </p:grpSpPr>
+      <p:sp>
+        <p:nvSpPr>
+          <p:cNvPr id="2" name="Title 1">
+            <a:extLst>
+              <a:ext uri="{FF2B5EF4-FFF2-40B4-BE49-F238E27FC236}">
+                <a16:creationId xmlns:a16="http://schemas.microsoft.com/office/drawing/2014/main" id="{47EE2EC8-EB08-1CFC-3593-751386BBD20B}"/>
+              </a:ext>
+            </a:extLst>
+          </p:cNvPr>
+          <p:cNvSpPr>
+            <a:spLocks noGrp="1"/>
+          </p:cNvSpPr>
+          <p:nvPr>
+            <p:ph type="title"/>
+          </p:nvPr>
+        </p:nvSpPr>
+        <p:spPr/>
+        <p:txBody>
+          <a:bodyPr/>
+          <a:lstStyle/>
+          <a:p>
+            <a:r>
+              <a:rPr lang="en-US" b="1" dirty="0">
+                <a:ea typeface="Calibri Light"/>
+                <a:cs typeface="Calibri Light"/>
+              </a:rPr>
+              <a:t>Notes:</a:t>
+            </a:r>
+            <a:endParaRPr lang="en-US" b="1" dirty="0"/>
+          </a:p>
+        </p:txBody>
+      </p:sp>
+      <p:sp>
+        <p:nvSpPr>
+          <p:cNvPr id="3" name="Content Placeholder 2">
+            <a:extLst>
+              <a:ext uri="{FF2B5EF4-FFF2-40B4-BE49-F238E27FC236}">
+                <a16:creationId xmlns:a16="http://schemas.microsoft.com/office/drawing/2014/main" id="{8D10381E-7E04-0737-8C05-A23EA9C6CEB1}"/>
+              </a:ext>
+            </a:extLst>
+          </p:cNvPr>
+          <p:cNvSpPr>
+            <a:spLocks noGrp="1"/>
+          </p:cNvSpPr>
+          <p:nvPr>
+            <p:ph idx="1"/>
+          </p:nvPr>
+        </p:nvSpPr>
+        <p:spPr>
+          <a:xfrm>
+            <a:off x="838200" y="1407454"/>
+            <a:ext cx="10515600" cy="4815972"/>
+          </a:xfrm>
+        </p:spPr>
+        <p:txBody>
+          <a:bodyPr vert="horz" lIns="91440" tIns="45720" rIns="91440" bIns="45720" rtlCol="0" anchor="t">
+            <a:normAutofit fontScale="92500"/>
+          </a:bodyPr>
+          <a:lstStyle/>
+          <a:p>
+            <a:r>
+              <a:rPr lang="en-US" dirty="0">
+                <a:ea typeface="Calibri"/>
+                <a:cs typeface="Calibri"/>
+              </a:rPr>
+              <a:t>Since we are sorting the availabilities according to the priority criteria, it is guaranteed to pick the most important class before non-important class.</a:t>
+            </a:r>
+          </a:p>
+          <a:p>
+            <a:r>
+              <a:rPr lang="en-US" dirty="0">
+                <a:ea typeface="Calibri"/>
+                <a:cs typeface="Calibri"/>
+              </a:rPr>
+              <a:t>Using priority queue will make the algorithm works faster.</a:t>
+            </a:r>
+          </a:p>
+          <a:p>
+            <a:r>
+              <a:rPr lang="en-US" dirty="0">
+                <a:ea typeface="Calibri"/>
+                <a:cs typeface="Calibri"/>
+              </a:rPr>
+              <a:t>Sorting criteria:</a:t>
+            </a:r>
+          </a:p>
+          <a:p>
+            <a:pPr marL="914400" lvl="1" indent="-457200">
+              <a:buAutoNum type="arabicPeriod"/>
+            </a:pPr>
+            <a:r>
+              <a:rPr lang="en-US" dirty="0">
+                <a:ea typeface="Calibri"/>
+                <a:cs typeface="Calibri"/>
+              </a:rPr>
+              <a:t>Class  : required  vs elective prioritize  required classes as not everyone need to take elective class</a:t>
+            </a:r>
+          </a:p>
+          <a:p>
+            <a:pPr marL="914400" lvl="1" indent="-457200">
+              <a:buAutoNum type="arabicPeriod"/>
+            </a:pPr>
+            <a:r>
+              <a:rPr lang="en-US" dirty="0">
+                <a:ea typeface="Calibri"/>
+                <a:cs typeface="Calibri"/>
+              </a:rPr>
+              <a:t>Professor type: full time  vs adjacent: adjacent, as we might assign full time professor to any slot because he /she work full time.</a:t>
+            </a:r>
+          </a:p>
+          <a:p>
+            <a:pPr marL="914400" lvl="1" indent="-457200">
+              <a:buAutoNum type="arabicPeriod"/>
+            </a:pPr>
+            <a:r>
+              <a:rPr lang="en-US" dirty="0">
+                <a:ea typeface="Calibri"/>
+                <a:cs typeface="Calibri"/>
+              </a:rPr>
+              <a:t>Class duration: </a:t>
+            </a:r>
+            <a:r>
+              <a:rPr lang="en-US">
+                <a:ea typeface="Calibri"/>
+                <a:cs typeface="Calibri"/>
+              </a:rPr>
+              <a:t>prioritize short classes as it is taking less time on the schedule</a:t>
+            </a:r>
+          </a:p>
+          <a:p>
+            <a:pPr marL="914400" lvl="1" indent="-457200">
+              <a:buAutoNum type="arabicPeriod"/>
+            </a:pPr>
+            <a:r>
+              <a:rPr lang="en-US" dirty="0">
+                <a:ea typeface="Calibri"/>
+                <a:cs typeface="Calibri"/>
+              </a:rPr>
+              <a:t>Students preferences: for example graduate students prefer to take class in the </a:t>
+            </a:r>
+            <a:r>
+              <a:rPr lang="en-US">
+                <a:ea typeface="Calibri"/>
+                <a:cs typeface="Calibri"/>
+              </a:rPr>
+              <a:t>afternoon.</a:t>
+            </a:r>
+            <a:endParaRPr lang="en-US" dirty="0">
+              <a:ea typeface="Calibri"/>
+              <a:cs typeface="Calibri"/>
+            </a:endParaRPr>
+          </a:p>
+          <a:p>
+            <a:pPr marL="914400" lvl="1" indent="-457200">
+              <a:buAutoNum type="arabicPeriod"/>
+            </a:pPr>
+            <a:r>
+              <a:rPr lang="en-US" dirty="0">
+                <a:ea typeface="Calibri"/>
+                <a:cs typeface="Calibri"/>
+              </a:rPr>
+              <a:t>Faculties preferences: for example prefer to give all classes in the same day of work.</a:t>
+            </a:r>
+          </a:p>
+          <a:p>
+            <a:pPr marL="457200" lvl="1" indent="0">
+              <a:buNone/>
+            </a:pPr>
+            <a:endParaRPr lang="en-US" dirty="0">
+              <a:ea typeface="Calibri"/>
+              <a:cs typeface="Calibri"/>
+            </a:endParaRPr>
+          </a:p>
+          <a:p>
+            <a:pPr marL="457200" lvl="1" indent="0">
+              <a:buNone/>
+            </a:pPr>
+            <a:endParaRPr lang="en-US" dirty="0">
+              <a:ea typeface="Calibri"/>
+              <a:cs typeface="Calibri"/>
+            </a:endParaRPr>
+          </a:p>
+        </p:txBody>
+      </p:sp>
+    </p:spTree>
+    <p:extLst>
+      <p:ext uri="{BB962C8B-B14F-4D97-AF65-F5344CB8AC3E}">
+        <p14:creationId xmlns:p14="http://schemas.microsoft.com/office/powerpoint/2010/main" val="3229155180"/>
+      </p:ext>
+    </p:extLst>
+  </p:cSld>
+  <p:clrMapOvr>
+    <a:masterClrMapping/>
+  </p:clrMapOvr>
+</p:sld>
+</file>
+
 <file path=ppt/theme/theme1.xml><?xml version="1.0" encoding="utf-8"?>
 <a:theme xmlns:a="http://schemas.openxmlformats.org/drawingml/2006/main" name="office theme">
   <a:themeElements>

--- a/algorithm design.pptx
+++ b/algorithm design.pptx
@@ -11,6 +11,7 @@
     <p:sldId id="259" r:id="rId5"/>
     <p:sldId id="260" r:id="rId6"/>
     <p:sldId id="261" r:id="rId7"/>
+    <p:sldId id="262" r:id="rId8"/>
   </p:sldIdLst>
   <p:sldSz cx="12192000" cy="6858000"/>
   <p:notesSz cx="6858000" cy="9144000"/>
@@ -121,7 +122,7 @@
 <p1510:revInfo xmlns:a="http://schemas.openxmlformats.org/drawingml/2006/main" xmlns:r="http://schemas.openxmlformats.org/officeDocument/2006/relationships" xmlns:p1510="http://schemas.microsoft.com/office/powerpoint/2015/10/main">
   <p1510:revLst>
     <p1510:client id="{3E04CE2F-7F4E-4A6B-A71D-734C39C46A4B}" v="661" dt="2023-11-05T14:45:20.947"/>
-    <p1510:client id="{DD752246-19E9-F5D7-3CAE-689A5013460A}" v="1042" dt="2023-11-06T04:56:40.942"/>
+    <p1510:client id="{DD752246-19E9-F5D7-3CAE-689A5013460A}" v="1572" dt="2023-11-06T05:08:27.822"/>
   </p1510:revLst>
 </p1510:revInfo>
 </file>
@@ -3961,6 +3962,2477 @@
 </p:sld>
 </file>
 
+<file path=ppt/slides/slide7.xml><?xml version="1.0" encoding="utf-8"?>
+<p:sld xmlns:a="http://schemas.openxmlformats.org/drawingml/2006/main" xmlns:r="http://schemas.openxmlformats.org/officeDocument/2006/relationships" xmlns:p="http://schemas.openxmlformats.org/presentationml/2006/main">
+  <p:cSld>
+    <p:spTree>
+      <p:nvGrpSpPr>
+        <p:cNvPr id="1" name=""/>
+        <p:cNvGrpSpPr/>
+        <p:nvPr/>
+      </p:nvGrpSpPr>
+      <p:grpSpPr>
+        <a:xfrm>
+          <a:off x="0" y="0"/>
+          <a:ext cx="0" cy="0"/>
+          <a:chOff x="0" y="0"/>
+          <a:chExt cx="0" cy="0"/>
+        </a:xfrm>
+      </p:grpSpPr>
+      <p:sp>
+        <p:nvSpPr>
+          <p:cNvPr id="2" name="Title 1">
+            <a:extLst>
+              <a:ext uri="{FF2B5EF4-FFF2-40B4-BE49-F238E27FC236}">
+                <a16:creationId xmlns:a16="http://schemas.microsoft.com/office/drawing/2014/main" id="{817F98F5-9C04-99B0-D498-5733197691A7}"/>
+              </a:ext>
+            </a:extLst>
+          </p:cNvPr>
+          <p:cNvSpPr>
+            <a:spLocks noGrp="1"/>
+          </p:cNvSpPr>
+          <p:nvPr>
+            <p:ph type="title"/>
+          </p:nvPr>
+        </p:nvSpPr>
+        <p:spPr/>
+        <p:txBody>
+          <a:bodyPr/>
+          <a:lstStyle/>
+          <a:p>
+            <a:r>
+              <a:rPr lang="en-US" b="1" dirty="0">
+                <a:ea typeface="Calibri Light"/>
+                <a:cs typeface="Calibri Light"/>
+              </a:rPr>
+              <a:t>Visualization of the algorithm:</a:t>
+            </a:r>
+            <a:endParaRPr lang="en-US" b="1" dirty="0"/>
+          </a:p>
+        </p:txBody>
+      </p:sp>
+      <p:sp>
+        <p:nvSpPr>
+          <p:cNvPr id="4" name="Rectangle 3">
+            <a:extLst>
+              <a:ext uri="{FF2B5EF4-FFF2-40B4-BE49-F238E27FC236}">
+                <a16:creationId xmlns:a16="http://schemas.microsoft.com/office/drawing/2014/main" id="{855D79FA-1886-35DB-AB97-1A9C940A994A}"/>
+              </a:ext>
+            </a:extLst>
+          </p:cNvPr>
+          <p:cNvSpPr/>
+          <p:nvPr/>
+        </p:nvSpPr>
+        <p:spPr>
+          <a:xfrm>
+            <a:off x="529682" y="2722756"/>
+            <a:ext cx="4748561" cy="2945780"/>
+          </a:xfrm>
+          <a:prstGeom prst="rect">
+            <a:avLst/>
+          </a:prstGeom>
+          <a:solidFill>
+            <a:schemeClr val="accent1">
+              <a:lumMod val="20000"/>
+              <a:lumOff val="80000"/>
+            </a:schemeClr>
+          </a:solidFill>
+        </p:spPr>
+        <p:style>
+          <a:lnRef idx="2">
+            <a:schemeClr val="accent1">
+              <a:shade val="15000"/>
+            </a:schemeClr>
+          </a:lnRef>
+          <a:fillRef idx="1">
+            <a:schemeClr val="accent1"/>
+          </a:fillRef>
+          <a:effectRef idx="0">
+            <a:schemeClr val="accent1"/>
+          </a:effectRef>
+          <a:fontRef idx="minor">
+            <a:schemeClr val="lt1"/>
+          </a:fontRef>
+        </p:style>
+        <p:txBody>
+          <a:bodyPr rtlCol="0" anchor="ctr"/>
+          <a:lstStyle/>
+          <a:p>
+            <a:pPr algn="ctr"/>
+            <a:endParaRPr lang="en-US"/>
+          </a:p>
+        </p:txBody>
+      </p:sp>
+      <p:sp>
+        <p:nvSpPr>
+          <p:cNvPr id="5" name="Rectangle 4">
+            <a:extLst>
+              <a:ext uri="{FF2B5EF4-FFF2-40B4-BE49-F238E27FC236}">
+                <a16:creationId xmlns:a16="http://schemas.microsoft.com/office/drawing/2014/main" id="{86DE47B5-DEBF-E178-79F4-108D8268D538}"/>
+              </a:ext>
+            </a:extLst>
+          </p:cNvPr>
+          <p:cNvSpPr/>
+          <p:nvPr/>
+        </p:nvSpPr>
+        <p:spPr>
+          <a:xfrm>
+            <a:off x="706243" y="3001536"/>
+            <a:ext cx="910682" cy="325244"/>
+          </a:xfrm>
+          <a:prstGeom prst="rect">
+            <a:avLst/>
+          </a:prstGeom>
+          <a:solidFill>
+            <a:srgbClr val="FF0000"/>
+          </a:solidFill>
+        </p:spPr>
+        <p:style>
+          <a:lnRef idx="2">
+            <a:schemeClr val="accent1">
+              <a:shade val="15000"/>
+            </a:schemeClr>
+          </a:lnRef>
+          <a:fillRef idx="1">
+            <a:schemeClr val="accent1"/>
+          </a:fillRef>
+          <a:effectRef idx="0">
+            <a:schemeClr val="accent1"/>
+          </a:effectRef>
+          <a:fontRef idx="minor">
+            <a:schemeClr val="lt1"/>
+          </a:fontRef>
+        </p:style>
+        <p:txBody>
+          <a:bodyPr rtlCol="0" anchor="ctr"/>
+          <a:lstStyle/>
+          <a:p>
+            <a:pPr algn="ctr"/>
+            <a:endParaRPr lang="en-US"/>
+          </a:p>
+        </p:txBody>
+      </p:sp>
+      <p:sp>
+        <p:nvSpPr>
+          <p:cNvPr id="6" name="Rectangle 5">
+            <a:extLst>
+              <a:ext uri="{FF2B5EF4-FFF2-40B4-BE49-F238E27FC236}">
+                <a16:creationId xmlns:a16="http://schemas.microsoft.com/office/drawing/2014/main" id="{1C786CDA-2E57-7676-D507-661210E2ED10}"/>
+              </a:ext>
+            </a:extLst>
+          </p:cNvPr>
+          <p:cNvSpPr/>
+          <p:nvPr/>
+        </p:nvSpPr>
+        <p:spPr>
+          <a:xfrm>
+            <a:off x="706244" y="4014438"/>
+            <a:ext cx="910682" cy="399585"/>
+          </a:xfrm>
+          <a:prstGeom prst="rect">
+            <a:avLst/>
+          </a:prstGeom>
+          <a:solidFill>
+            <a:srgbClr val="FF0000"/>
+          </a:solidFill>
+        </p:spPr>
+        <p:style>
+          <a:lnRef idx="2">
+            <a:schemeClr val="accent1">
+              <a:shade val="15000"/>
+            </a:schemeClr>
+          </a:lnRef>
+          <a:fillRef idx="1">
+            <a:schemeClr val="accent1"/>
+          </a:fillRef>
+          <a:effectRef idx="0">
+            <a:schemeClr val="accent1"/>
+          </a:effectRef>
+          <a:fontRef idx="minor">
+            <a:schemeClr val="lt1"/>
+          </a:fontRef>
+        </p:style>
+        <p:txBody>
+          <a:bodyPr rtlCol="0" anchor="ctr"/>
+          <a:lstStyle/>
+          <a:p>
+            <a:pPr algn="ctr"/>
+            <a:endParaRPr lang="en-US"/>
+          </a:p>
+        </p:txBody>
+      </p:sp>
+      <p:sp>
+        <p:nvSpPr>
+          <p:cNvPr id="7" name="Rectangle 6">
+            <a:extLst>
+              <a:ext uri="{FF2B5EF4-FFF2-40B4-BE49-F238E27FC236}">
+                <a16:creationId xmlns:a16="http://schemas.microsoft.com/office/drawing/2014/main" id="{84B50D42-DFFD-7996-C061-99B286B36458}"/>
+              </a:ext>
+            </a:extLst>
+          </p:cNvPr>
+          <p:cNvSpPr/>
+          <p:nvPr/>
+        </p:nvSpPr>
+        <p:spPr>
+          <a:xfrm>
+            <a:off x="1616927" y="3670609"/>
+            <a:ext cx="892097" cy="343829"/>
+          </a:xfrm>
+          <a:prstGeom prst="rect">
+            <a:avLst/>
+          </a:prstGeom>
+          <a:solidFill>
+            <a:srgbClr val="FF0000"/>
+          </a:solidFill>
+        </p:spPr>
+        <p:style>
+          <a:lnRef idx="2">
+            <a:schemeClr val="accent1">
+              <a:shade val="15000"/>
+            </a:schemeClr>
+          </a:lnRef>
+          <a:fillRef idx="1">
+            <a:schemeClr val="accent1"/>
+          </a:fillRef>
+          <a:effectRef idx="0">
+            <a:schemeClr val="accent1"/>
+          </a:effectRef>
+          <a:fontRef idx="minor">
+            <a:schemeClr val="lt1"/>
+          </a:fontRef>
+        </p:style>
+        <p:txBody>
+          <a:bodyPr rtlCol="0" anchor="ctr"/>
+          <a:lstStyle/>
+          <a:p>
+            <a:pPr algn="ctr"/>
+            <a:endParaRPr lang="en-US"/>
+          </a:p>
+        </p:txBody>
+      </p:sp>
+      <p:sp>
+        <p:nvSpPr>
+          <p:cNvPr id="8" name="Rectangle 7">
+            <a:extLst>
+              <a:ext uri="{FF2B5EF4-FFF2-40B4-BE49-F238E27FC236}">
+                <a16:creationId xmlns:a16="http://schemas.microsoft.com/office/drawing/2014/main" id="{4131EB15-B886-1CD8-E708-76496BD8F75A}"/>
+              </a:ext>
+            </a:extLst>
+          </p:cNvPr>
+          <p:cNvSpPr/>
+          <p:nvPr/>
+        </p:nvSpPr>
+        <p:spPr>
+          <a:xfrm>
+            <a:off x="1616925" y="4748560"/>
+            <a:ext cx="892098" cy="334537"/>
+          </a:xfrm>
+          <a:prstGeom prst="rect">
+            <a:avLst/>
+          </a:prstGeom>
+          <a:solidFill>
+            <a:srgbClr val="FF0000"/>
+          </a:solidFill>
+        </p:spPr>
+        <p:style>
+          <a:lnRef idx="2">
+            <a:schemeClr val="accent1">
+              <a:shade val="15000"/>
+            </a:schemeClr>
+          </a:lnRef>
+          <a:fillRef idx="1">
+            <a:schemeClr val="accent1"/>
+          </a:fillRef>
+          <a:effectRef idx="0">
+            <a:schemeClr val="accent1"/>
+          </a:effectRef>
+          <a:fontRef idx="minor">
+            <a:schemeClr val="lt1"/>
+          </a:fontRef>
+        </p:style>
+        <p:txBody>
+          <a:bodyPr rtlCol="0" anchor="ctr"/>
+          <a:lstStyle/>
+          <a:p>
+            <a:pPr algn="ctr"/>
+            <a:endParaRPr lang="en-US"/>
+          </a:p>
+        </p:txBody>
+      </p:sp>
+      <p:sp>
+        <p:nvSpPr>
+          <p:cNvPr id="9" name="Rectangle 8">
+            <a:extLst>
+              <a:ext uri="{FF2B5EF4-FFF2-40B4-BE49-F238E27FC236}">
+                <a16:creationId xmlns:a16="http://schemas.microsoft.com/office/drawing/2014/main" id="{877BCF9D-09D9-63A7-3AF4-9EB709035763}"/>
+              </a:ext>
+            </a:extLst>
+          </p:cNvPr>
+          <p:cNvSpPr/>
+          <p:nvPr/>
+        </p:nvSpPr>
+        <p:spPr>
+          <a:xfrm>
+            <a:off x="3410413" y="3847168"/>
+            <a:ext cx="789878" cy="724829"/>
+          </a:xfrm>
+          <a:prstGeom prst="rect">
+            <a:avLst/>
+          </a:prstGeom>
+          <a:solidFill>
+            <a:srgbClr val="FF0000"/>
+          </a:solidFill>
+        </p:spPr>
+        <p:style>
+          <a:lnRef idx="2">
+            <a:schemeClr val="accent1">
+              <a:shade val="15000"/>
+            </a:schemeClr>
+          </a:lnRef>
+          <a:fillRef idx="1">
+            <a:schemeClr val="accent1"/>
+          </a:fillRef>
+          <a:effectRef idx="0">
+            <a:schemeClr val="accent1"/>
+          </a:effectRef>
+          <a:fontRef idx="minor">
+            <a:schemeClr val="lt1"/>
+          </a:fontRef>
+        </p:style>
+        <p:txBody>
+          <a:bodyPr rtlCol="0" anchor="ctr"/>
+          <a:lstStyle/>
+          <a:p>
+            <a:pPr algn="ctr"/>
+            <a:endParaRPr lang="en-US"/>
+          </a:p>
+        </p:txBody>
+      </p:sp>
+      <p:sp>
+        <p:nvSpPr>
+          <p:cNvPr id="11" name="Rectangle 10">
+            <a:extLst>
+              <a:ext uri="{FF2B5EF4-FFF2-40B4-BE49-F238E27FC236}">
+                <a16:creationId xmlns:a16="http://schemas.microsoft.com/office/drawing/2014/main" id="{D7333E7A-3B85-64B4-B2B1-4AFB212F9D99}"/>
+              </a:ext>
+            </a:extLst>
+          </p:cNvPr>
+          <p:cNvSpPr/>
+          <p:nvPr/>
+        </p:nvSpPr>
+        <p:spPr>
+          <a:xfrm>
+            <a:off x="706244" y="3326780"/>
+            <a:ext cx="901390" cy="334536"/>
+          </a:xfrm>
+          <a:prstGeom prst="rect">
+            <a:avLst/>
+          </a:prstGeom>
+        </p:spPr>
+        <p:style>
+          <a:lnRef idx="2">
+            <a:schemeClr val="accent1">
+              <a:shade val="15000"/>
+            </a:schemeClr>
+          </a:lnRef>
+          <a:fillRef idx="1">
+            <a:schemeClr val="accent1"/>
+          </a:fillRef>
+          <a:effectRef idx="0">
+            <a:schemeClr val="accent1"/>
+          </a:effectRef>
+          <a:fontRef idx="minor">
+            <a:schemeClr val="lt1"/>
+          </a:fontRef>
+        </p:style>
+        <p:txBody>
+          <a:bodyPr rtlCol="0" anchor="ctr"/>
+          <a:lstStyle/>
+          <a:p>
+            <a:pPr algn="ctr"/>
+            <a:endParaRPr lang="en-US"/>
+          </a:p>
+        </p:txBody>
+      </p:sp>
+      <p:sp>
+        <p:nvSpPr>
+          <p:cNvPr id="12" name="Rectangle 11">
+            <a:extLst>
+              <a:ext uri="{FF2B5EF4-FFF2-40B4-BE49-F238E27FC236}">
+                <a16:creationId xmlns:a16="http://schemas.microsoft.com/office/drawing/2014/main" id="{A5784C04-0F05-BDC8-E888-65C2E0DDC439}"/>
+              </a:ext>
+            </a:extLst>
+          </p:cNvPr>
+          <p:cNvSpPr/>
+          <p:nvPr/>
+        </p:nvSpPr>
+        <p:spPr>
+          <a:xfrm>
+            <a:off x="706244" y="3679902"/>
+            <a:ext cx="901390" cy="334536"/>
+          </a:xfrm>
+          <a:prstGeom prst="rect">
+            <a:avLst/>
+          </a:prstGeom>
+        </p:spPr>
+        <p:style>
+          <a:lnRef idx="2">
+            <a:schemeClr val="accent1">
+              <a:shade val="15000"/>
+            </a:schemeClr>
+          </a:lnRef>
+          <a:fillRef idx="1">
+            <a:schemeClr val="accent1"/>
+          </a:fillRef>
+          <a:effectRef idx="0">
+            <a:schemeClr val="accent1"/>
+          </a:effectRef>
+          <a:fontRef idx="minor">
+            <a:schemeClr val="lt1"/>
+          </a:fontRef>
+        </p:style>
+        <p:txBody>
+          <a:bodyPr rtlCol="0" anchor="ctr"/>
+          <a:lstStyle/>
+          <a:p>
+            <a:pPr algn="ctr"/>
+            <a:endParaRPr lang="en-US"/>
+          </a:p>
+        </p:txBody>
+      </p:sp>
+      <p:sp>
+        <p:nvSpPr>
+          <p:cNvPr id="13" name="Rectangle 12">
+            <a:extLst>
+              <a:ext uri="{FF2B5EF4-FFF2-40B4-BE49-F238E27FC236}">
+                <a16:creationId xmlns:a16="http://schemas.microsoft.com/office/drawing/2014/main" id="{BF18B652-82EE-D19D-E1C3-4DAA690515B3}"/>
+              </a:ext>
+            </a:extLst>
+          </p:cNvPr>
+          <p:cNvSpPr/>
+          <p:nvPr/>
+        </p:nvSpPr>
+        <p:spPr>
+          <a:xfrm>
+            <a:off x="706244" y="4414023"/>
+            <a:ext cx="901390" cy="334536"/>
+          </a:xfrm>
+          <a:prstGeom prst="rect">
+            <a:avLst/>
+          </a:prstGeom>
+        </p:spPr>
+        <p:style>
+          <a:lnRef idx="2">
+            <a:schemeClr val="accent1">
+              <a:shade val="15000"/>
+            </a:schemeClr>
+          </a:lnRef>
+          <a:fillRef idx="1">
+            <a:schemeClr val="accent1"/>
+          </a:fillRef>
+          <a:effectRef idx="0">
+            <a:schemeClr val="accent1"/>
+          </a:effectRef>
+          <a:fontRef idx="minor">
+            <a:schemeClr val="lt1"/>
+          </a:fontRef>
+        </p:style>
+        <p:txBody>
+          <a:bodyPr rtlCol="0" anchor="ctr"/>
+          <a:lstStyle/>
+          <a:p>
+            <a:pPr algn="ctr"/>
+            <a:endParaRPr lang="en-US"/>
+          </a:p>
+        </p:txBody>
+      </p:sp>
+      <p:sp>
+        <p:nvSpPr>
+          <p:cNvPr id="14" name="Rectangle 13">
+            <a:extLst>
+              <a:ext uri="{FF2B5EF4-FFF2-40B4-BE49-F238E27FC236}">
+                <a16:creationId xmlns:a16="http://schemas.microsoft.com/office/drawing/2014/main" id="{86C34653-9AB8-F4EC-63AF-2844BCD89DB4}"/>
+              </a:ext>
+            </a:extLst>
+          </p:cNvPr>
+          <p:cNvSpPr/>
+          <p:nvPr/>
+        </p:nvSpPr>
+        <p:spPr>
+          <a:xfrm>
+            <a:off x="706243" y="4748560"/>
+            <a:ext cx="901390" cy="334536"/>
+          </a:xfrm>
+          <a:prstGeom prst="rect">
+            <a:avLst/>
+          </a:prstGeom>
+        </p:spPr>
+        <p:style>
+          <a:lnRef idx="2">
+            <a:schemeClr val="accent1">
+              <a:shade val="15000"/>
+            </a:schemeClr>
+          </a:lnRef>
+          <a:fillRef idx="1">
+            <a:schemeClr val="accent1"/>
+          </a:fillRef>
+          <a:effectRef idx="0">
+            <a:schemeClr val="accent1"/>
+          </a:effectRef>
+          <a:fontRef idx="minor">
+            <a:schemeClr val="lt1"/>
+          </a:fontRef>
+        </p:style>
+        <p:txBody>
+          <a:bodyPr rtlCol="0" anchor="ctr"/>
+          <a:lstStyle/>
+          <a:p>
+            <a:pPr algn="ctr"/>
+            <a:endParaRPr lang="en-US"/>
+          </a:p>
+        </p:txBody>
+      </p:sp>
+      <p:sp>
+        <p:nvSpPr>
+          <p:cNvPr id="15" name="Rectangle 14">
+            <a:extLst>
+              <a:ext uri="{FF2B5EF4-FFF2-40B4-BE49-F238E27FC236}">
+                <a16:creationId xmlns:a16="http://schemas.microsoft.com/office/drawing/2014/main" id="{FB1C8EC7-7EEB-0FFF-F174-618147D6FF73}"/>
+              </a:ext>
+            </a:extLst>
+          </p:cNvPr>
+          <p:cNvSpPr/>
+          <p:nvPr/>
+        </p:nvSpPr>
+        <p:spPr>
+          <a:xfrm>
+            <a:off x="715536" y="5083096"/>
+            <a:ext cx="901390" cy="334536"/>
+          </a:xfrm>
+          <a:prstGeom prst="rect">
+            <a:avLst/>
+          </a:prstGeom>
+        </p:spPr>
+        <p:style>
+          <a:lnRef idx="2">
+            <a:schemeClr val="accent1">
+              <a:shade val="15000"/>
+            </a:schemeClr>
+          </a:lnRef>
+          <a:fillRef idx="1">
+            <a:schemeClr val="accent1"/>
+          </a:fillRef>
+          <a:effectRef idx="0">
+            <a:schemeClr val="accent1"/>
+          </a:effectRef>
+          <a:fontRef idx="minor">
+            <a:schemeClr val="lt1"/>
+          </a:fontRef>
+        </p:style>
+        <p:txBody>
+          <a:bodyPr rtlCol="0" anchor="ctr"/>
+          <a:lstStyle/>
+          <a:p>
+            <a:pPr algn="ctr"/>
+            <a:endParaRPr lang="en-US"/>
+          </a:p>
+        </p:txBody>
+      </p:sp>
+      <p:sp>
+        <p:nvSpPr>
+          <p:cNvPr id="16" name="Rectangle 15">
+            <a:extLst>
+              <a:ext uri="{FF2B5EF4-FFF2-40B4-BE49-F238E27FC236}">
+                <a16:creationId xmlns:a16="http://schemas.microsoft.com/office/drawing/2014/main" id="{370A2B3B-F5A4-2C27-B78A-A79FAFBF3A4D}"/>
+              </a:ext>
+            </a:extLst>
+          </p:cNvPr>
+          <p:cNvSpPr/>
+          <p:nvPr/>
+        </p:nvSpPr>
+        <p:spPr>
+          <a:xfrm>
+            <a:off x="1616927" y="3001536"/>
+            <a:ext cx="901390" cy="334536"/>
+          </a:xfrm>
+          <a:prstGeom prst="rect">
+            <a:avLst/>
+          </a:prstGeom>
+        </p:spPr>
+        <p:style>
+          <a:lnRef idx="2">
+            <a:schemeClr val="accent1">
+              <a:shade val="15000"/>
+            </a:schemeClr>
+          </a:lnRef>
+          <a:fillRef idx="1">
+            <a:schemeClr val="accent1"/>
+          </a:fillRef>
+          <a:effectRef idx="0">
+            <a:schemeClr val="accent1"/>
+          </a:effectRef>
+          <a:fontRef idx="minor">
+            <a:schemeClr val="lt1"/>
+          </a:fontRef>
+        </p:style>
+        <p:txBody>
+          <a:bodyPr rtlCol="0" anchor="ctr"/>
+          <a:lstStyle/>
+          <a:p>
+            <a:pPr algn="ctr"/>
+            <a:endParaRPr lang="en-US"/>
+          </a:p>
+        </p:txBody>
+      </p:sp>
+      <p:sp>
+        <p:nvSpPr>
+          <p:cNvPr id="17" name="Rectangle 16">
+            <a:extLst>
+              <a:ext uri="{FF2B5EF4-FFF2-40B4-BE49-F238E27FC236}">
+                <a16:creationId xmlns:a16="http://schemas.microsoft.com/office/drawing/2014/main" id="{2F9DF52D-5874-7290-D09E-6162566B9C0D}"/>
+              </a:ext>
+            </a:extLst>
+          </p:cNvPr>
+          <p:cNvSpPr/>
+          <p:nvPr/>
+        </p:nvSpPr>
+        <p:spPr>
+          <a:xfrm>
+            <a:off x="1616926" y="3336072"/>
+            <a:ext cx="901390" cy="334536"/>
+          </a:xfrm>
+          <a:prstGeom prst="rect">
+            <a:avLst/>
+          </a:prstGeom>
+        </p:spPr>
+        <p:style>
+          <a:lnRef idx="2">
+            <a:schemeClr val="accent1">
+              <a:shade val="15000"/>
+            </a:schemeClr>
+          </a:lnRef>
+          <a:fillRef idx="1">
+            <a:schemeClr val="accent1"/>
+          </a:fillRef>
+          <a:effectRef idx="0">
+            <a:schemeClr val="accent1"/>
+          </a:effectRef>
+          <a:fontRef idx="minor">
+            <a:schemeClr val="lt1"/>
+          </a:fontRef>
+        </p:style>
+        <p:txBody>
+          <a:bodyPr rtlCol="0" anchor="ctr"/>
+          <a:lstStyle/>
+          <a:p>
+            <a:pPr algn="ctr"/>
+            <a:endParaRPr lang="en-US"/>
+          </a:p>
+        </p:txBody>
+      </p:sp>
+      <p:sp>
+        <p:nvSpPr>
+          <p:cNvPr id="18" name="Rectangle 17">
+            <a:extLst>
+              <a:ext uri="{FF2B5EF4-FFF2-40B4-BE49-F238E27FC236}">
+                <a16:creationId xmlns:a16="http://schemas.microsoft.com/office/drawing/2014/main" id="{1549A830-BAF2-7C46-B8A4-E72D369B707F}"/>
+              </a:ext>
+            </a:extLst>
+          </p:cNvPr>
+          <p:cNvSpPr/>
+          <p:nvPr/>
+        </p:nvSpPr>
+        <p:spPr>
+          <a:xfrm>
+            <a:off x="1607634" y="4014438"/>
+            <a:ext cx="910682" cy="399584"/>
+          </a:xfrm>
+          <a:prstGeom prst="rect">
+            <a:avLst/>
+          </a:prstGeom>
+        </p:spPr>
+        <p:style>
+          <a:lnRef idx="2">
+            <a:schemeClr val="accent1">
+              <a:shade val="15000"/>
+            </a:schemeClr>
+          </a:lnRef>
+          <a:fillRef idx="1">
+            <a:schemeClr val="accent1"/>
+          </a:fillRef>
+          <a:effectRef idx="0">
+            <a:schemeClr val="accent1"/>
+          </a:effectRef>
+          <a:fontRef idx="minor">
+            <a:schemeClr val="lt1"/>
+          </a:fontRef>
+        </p:style>
+        <p:txBody>
+          <a:bodyPr rtlCol="0" anchor="ctr"/>
+          <a:lstStyle/>
+          <a:p>
+            <a:pPr algn="ctr"/>
+            <a:endParaRPr lang="en-US"/>
+          </a:p>
+        </p:txBody>
+      </p:sp>
+      <p:sp>
+        <p:nvSpPr>
+          <p:cNvPr id="19" name="Rectangle 18">
+            <a:extLst>
+              <a:ext uri="{FF2B5EF4-FFF2-40B4-BE49-F238E27FC236}">
+                <a16:creationId xmlns:a16="http://schemas.microsoft.com/office/drawing/2014/main" id="{55E16BBF-046F-B5D0-B003-BFECA5875D43}"/>
+              </a:ext>
+            </a:extLst>
+          </p:cNvPr>
+          <p:cNvSpPr/>
+          <p:nvPr/>
+        </p:nvSpPr>
+        <p:spPr>
+          <a:xfrm>
+            <a:off x="1607633" y="4414023"/>
+            <a:ext cx="901390" cy="334536"/>
+          </a:xfrm>
+          <a:prstGeom prst="rect">
+            <a:avLst/>
+          </a:prstGeom>
+        </p:spPr>
+        <p:style>
+          <a:lnRef idx="2">
+            <a:schemeClr val="accent1">
+              <a:shade val="15000"/>
+            </a:schemeClr>
+          </a:lnRef>
+          <a:fillRef idx="1">
+            <a:schemeClr val="accent1"/>
+          </a:fillRef>
+          <a:effectRef idx="0">
+            <a:schemeClr val="accent1"/>
+          </a:effectRef>
+          <a:fontRef idx="minor">
+            <a:schemeClr val="lt1"/>
+          </a:fontRef>
+        </p:style>
+        <p:txBody>
+          <a:bodyPr rtlCol="0" anchor="ctr"/>
+          <a:lstStyle/>
+          <a:p>
+            <a:pPr algn="ctr"/>
+            <a:endParaRPr lang="en-US"/>
+          </a:p>
+        </p:txBody>
+      </p:sp>
+      <p:sp>
+        <p:nvSpPr>
+          <p:cNvPr id="20" name="Rectangle 19">
+            <a:extLst>
+              <a:ext uri="{FF2B5EF4-FFF2-40B4-BE49-F238E27FC236}">
+                <a16:creationId xmlns:a16="http://schemas.microsoft.com/office/drawing/2014/main" id="{02BEAF16-C01F-816D-A1CA-64AE8893938A}"/>
+              </a:ext>
+            </a:extLst>
+          </p:cNvPr>
+          <p:cNvSpPr/>
+          <p:nvPr/>
+        </p:nvSpPr>
+        <p:spPr>
+          <a:xfrm>
+            <a:off x="1616927" y="5083097"/>
+            <a:ext cx="901390" cy="334536"/>
+          </a:xfrm>
+          <a:prstGeom prst="rect">
+            <a:avLst/>
+          </a:prstGeom>
+        </p:spPr>
+        <p:style>
+          <a:lnRef idx="2">
+            <a:schemeClr val="accent1">
+              <a:shade val="15000"/>
+            </a:schemeClr>
+          </a:lnRef>
+          <a:fillRef idx="1">
+            <a:schemeClr val="accent1"/>
+          </a:fillRef>
+          <a:effectRef idx="0">
+            <a:schemeClr val="accent1"/>
+          </a:effectRef>
+          <a:fontRef idx="minor">
+            <a:schemeClr val="lt1"/>
+          </a:fontRef>
+        </p:style>
+        <p:txBody>
+          <a:bodyPr rtlCol="0" anchor="ctr"/>
+          <a:lstStyle/>
+          <a:p>
+            <a:pPr algn="ctr"/>
+            <a:endParaRPr lang="en-US"/>
+          </a:p>
+        </p:txBody>
+      </p:sp>
+      <p:sp>
+        <p:nvSpPr>
+          <p:cNvPr id="21" name="Rectangle 20">
+            <a:extLst>
+              <a:ext uri="{FF2B5EF4-FFF2-40B4-BE49-F238E27FC236}">
+                <a16:creationId xmlns:a16="http://schemas.microsoft.com/office/drawing/2014/main" id="{97215328-305E-40AF-B710-BA4DC0692715}"/>
+              </a:ext>
+            </a:extLst>
+          </p:cNvPr>
+          <p:cNvSpPr/>
+          <p:nvPr/>
+        </p:nvSpPr>
+        <p:spPr>
+          <a:xfrm>
+            <a:off x="2509024" y="3001536"/>
+            <a:ext cx="901390" cy="334536"/>
+          </a:xfrm>
+          <a:prstGeom prst="rect">
+            <a:avLst/>
+          </a:prstGeom>
+        </p:spPr>
+        <p:style>
+          <a:lnRef idx="2">
+            <a:schemeClr val="accent1">
+              <a:shade val="15000"/>
+            </a:schemeClr>
+          </a:lnRef>
+          <a:fillRef idx="1">
+            <a:schemeClr val="accent1"/>
+          </a:fillRef>
+          <a:effectRef idx="0">
+            <a:schemeClr val="accent1"/>
+          </a:effectRef>
+          <a:fontRef idx="minor">
+            <a:schemeClr val="lt1"/>
+          </a:fontRef>
+        </p:style>
+        <p:txBody>
+          <a:bodyPr rtlCol="0" anchor="ctr"/>
+          <a:lstStyle/>
+          <a:p>
+            <a:pPr algn="ctr"/>
+            <a:endParaRPr lang="en-US"/>
+          </a:p>
+        </p:txBody>
+      </p:sp>
+      <p:sp>
+        <p:nvSpPr>
+          <p:cNvPr id="22" name="Rectangle 21">
+            <a:extLst>
+              <a:ext uri="{FF2B5EF4-FFF2-40B4-BE49-F238E27FC236}">
+                <a16:creationId xmlns:a16="http://schemas.microsoft.com/office/drawing/2014/main" id="{F6BFF9FD-3208-DB41-D113-85ACD79C5015}"/>
+              </a:ext>
+            </a:extLst>
+          </p:cNvPr>
+          <p:cNvSpPr/>
+          <p:nvPr/>
+        </p:nvSpPr>
+        <p:spPr>
+          <a:xfrm>
+            <a:off x="2509024" y="3345365"/>
+            <a:ext cx="901390" cy="334536"/>
+          </a:xfrm>
+          <a:prstGeom prst="rect">
+            <a:avLst/>
+          </a:prstGeom>
+        </p:spPr>
+        <p:style>
+          <a:lnRef idx="2">
+            <a:schemeClr val="accent1">
+              <a:shade val="15000"/>
+            </a:schemeClr>
+          </a:lnRef>
+          <a:fillRef idx="1">
+            <a:schemeClr val="accent1"/>
+          </a:fillRef>
+          <a:effectRef idx="0">
+            <a:schemeClr val="accent1"/>
+          </a:effectRef>
+          <a:fontRef idx="minor">
+            <a:schemeClr val="lt1"/>
+          </a:fontRef>
+        </p:style>
+        <p:txBody>
+          <a:bodyPr rtlCol="0" anchor="ctr"/>
+          <a:lstStyle/>
+          <a:p>
+            <a:pPr algn="ctr"/>
+            <a:endParaRPr lang="en-US"/>
+          </a:p>
+        </p:txBody>
+      </p:sp>
+      <p:sp>
+        <p:nvSpPr>
+          <p:cNvPr id="23" name="Rectangle 22">
+            <a:extLst>
+              <a:ext uri="{FF2B5EF4-FFF2-40B4-BE49-F238E27FC236}">
+                <a16:creationId xmlns:a16="http://schemas.microsoft.com/office/drawing/2014/main" id="{754E4B50-9031-C840-E6AE-0864E4E428A1}"/>
+              </a:ext>
+            </a:extLst>
+          </p:cNvPr>
+          <p:cNvSpPr/>
+          <p:nvPr/>
+        </p:nvSpPr>
+        <p:spPr>
+          <a:xfrm>
+            <a:off x="2518316" y="3679901"/>
+            <a:ext cx="901390" cy="334536"/>
+          </a:xfrm>
+          <a:prstGeom prst="rect">
+            <a:avLst/>
+          </a:prstGeom>
+        </p:spPr>
+        <p:style>
+          <a:lnRef idx="2">
+            <a:schemeClr val="accent1">
+              <a:shade val="15000"/>
+            </a:schemeClr>
+          </a:lnRef>
+          <a:fillRef idx="1">
+            <a:schemeClr val="accent1"/>
+          </a:fillRef>
+          <a:effectRef idx="0">
+            <a:schemeClr val="accent1"/>
+          </a:effectRef>
+          <a:fontRef idx="minor">
+            <a:schemeClr val="lt1"/>
+          </a:fontRef>
+        </p:style>
+        <p:txBody>
+          <a:bodyPr rtlCol="0" anchor="ctr"/>
+          <a:lstStyle/>
+          <a:p>
+            <a:pPr algn="ctr"/>
+            <a:endParaRPr lang="en-US"/>
+          </a:p>
+        </p:txBody>
+      </p:sp>
+      <p:sp>
+        <p:nvSpPr>
+          <p:cNvPr id="24" name="Rectangle 23">
+            <a:extLst>
+              <a:ext uri="{FF2B5EF4-FFF2-40B4-BE49-F238E27FC236}">
+                <a16:creationId xmlns:a16="http://schemas.microsoft.com/office/drawing/2014/main" id="{449CE9F1-DE13-B047-C0AC-C0C894B1EAD1}"/>
+              </a:ext>
+            </a:extLst>
+          </p:cNvPr>
+          <p:cNvSpPr/>
+          <p:nvPr/>
+        </p:nvSpPr>
+        <p:spPr>
+          <a:xfrm>
+            <a:off x="2518316" y="4014438"/>
+            <a:ext cx="901390" cy="399584"/>
+          </a:xfrm>
+          <a:prstGeom prst="rect">
+            <a:avLst/>
+          </a:prstGeom>
+        </p:spPr>
+        <p:style>
+          <a:lnRef idx="2">
+            <a:schemeClr val="accent1">
+              <a:shade val="15000"/>
+            </a:schemeClr>
+          </a:lnRef>
+          <a:fillRef idx="1">
+            <a:schemeClr val="accent1"/>
+          </a:fillRef>
+          <a:effectRef idx="0">
+            <a:schemeClr val="accent1"/>
+          </a:effectRef>
+          <a:fontRef idx="minor">
+            <a:schemeClr val="lt1"/>
+          </a:fontRef>
+        </p:style>
+        <p:txBody>
+          <a:bodyPr rtlCol="0" anchor="ctr"/>
+          <a:lstStyle/>
+          <a:p>
+            <a:pPr algn="ctr"/>
+            <a:endParaRPr lang="en-US"/>
+          </a:p>
+        </p:txBody>
+      </p:sp>
+      <p:sp>
+        <p:nvSpPr>
+          <p:cNvPr id="25" name="Rectangle 24">
+            <a:extLst>
+              <a:ext uri="{FF2B5EF4-FFF2-40B4-BE49-F238E27FC236}">
+                <a16:creationId xmlns:a16="http://schemas.microsoft.com/office/drawing/2014/main" id="{F280C18E-8B0B-0012-3CED-723951852A99}"/>
+              </a:ext>
+            </a:extLst>
+          </p:cNvPr>
+          <p:cNvSpPr/>
+          <p:nvPr/>
+        </p:nvSpPr>
+        <p:spPr>
+          <a:xfrm>
+            <a:off x="2509024" y="4414023"/>
+            <a:ext cx="901390" cy="334536"/>
+          </a:xfrm>
+          <a:prstGeom prst="rect">
+            <a:avLst/>
+          </a:prstGeom>
+        </p:spPr>
+        <p:style>
+          <a:lnRef idx="2">
+            <a:schemeClr val="accent1">
+              <a:shade val="15000"/>
+            </a:schemeClr>
+          </a:lnRef>
+          <a:fillRef idx="1">
+            <a:schemeClr val="accent1"/>
+          </a:fillRef>
+          <a:effectRef idx="0">
+            <a:schemeClr val="accent1"/>
+          </a:effectRef>
+          <a:fontRef idx="minor">
+            <a:schemeClr val="lt1"/>
+          </a:fontRef>
+        </p:style>
+        <p:txBody>
+          <a:bodyPr rtlCol="0" anchor="ctr"/>
+          <a:lstStyle/>
+          <a:p>
+            <a:pPr algn="ctr"/>
+            <a:endParaRPr lang="en-US"/>
+          </a:p>
+        </p:txBody>
+      </p:sp>
+      <p:sp>
+        <p:nvSpPr>
+          <p:cNvPr id="26" name="Rectangle 25">
+            <a:extLst>
+              <a:ext uri="{FF2B5EF4-FFF2-40B4-BE49-F238E27FC236}">
+                <a16:creationId xmlns:a16="http://schemas.microsoft.com/office/drawing/2014/main" id="{10E57DD4-6C4E-9D5E-841A-CF3E0EF82745}"/>
+              </a:ext>
+            </a:extLst>
+          </p:cNvPr>
+          <p:cNvSpPr/>
+          <p:nvPr/>
+        </p:nvSpPr>
+        <p:spPr>
+          <a:xfrm>
+            <a:off x="2509024" y="4748560"/>
+            <a:ext cx="901390" cy="334536"/>
+          </a:xfrm>
+          <a:prstGeom prst="rect">
+            <a:avLst/>
+          </a:prstGeom>
+        </p:spPr>
+        <p:style>
+          <a:lnRef idx="2">
+            <a:schemeClr val="accent1">
+              <a:shade val="15000"/>
+            </a:schemeClr>
+          </a:lnRef>
+          <a:fillRef idx="1">
+            <a:schemeClr val="accent1"/>
+          </a:fillRef>
+          <a:effectRef idx="0">
+            <a:schemeClr val="accent1"/>
+          </a:effectRef>
+          <a:fontRef idx="minor">
+            <a:schemeClr val="lt1"/>
+          </a:fontRef>
+        </p:style>
+        <p:txBody>
+          <a:bodyPr rtlCol="0" anchor="ctr"/>
+          <a:lstStyle/>
+          <a:p>
+            <a:pPr algn="ctr"/>
+            <a:endParaRPr lang="en-US"/>
+          </a:p>
+        </p:txBody>
+      </p:sp>
+      <p:sp>
+        <p:nvSpPr>
+          <p:cNvPr id="27" name="Rectangle 26">
+            <a:extLst>
+              <a:ext uri="{FF2B5EF4-FFF2-40B4-BE49-F238E27FC236}">
+                <a16:creationId xmlns:a16="http://schemas.microsoft.com/office/drawing/2014/main" id="{49533C03-B3FA-758D-13BC-D900B6A4FFDE}"/>
+              </a:ext>
+            </a:extLst>
+          </p:cNvPr>
+          <p:cNvSpPr/>
+          <p:nvPr/>
+        </p:nvSpPr>
+        <p:spPr>
+          <a:xfrm>
+            <a:off x="2509024" y="5083096"/>
+            <a:ext cx="901390" cy="334536"/>
+          </a:xfrm>
+          <a:prstGeom prst="rect">
+            <a:avLst/>
+          </a:prstGeom>
+        </p:spPr>
+        <p:style>
+          <a:lnRef idx="2">
+            <a:schemeClr val="accent1">
+              <a:shade val="15000"/>
+            </a:schemeClr>
+          </a:lnRef>
+          <a:fillRef idx="1">
+            <a:schemeClr val="accent1"/>
+          </a:fillRef>
+          <a:effectRef idx="0">
+            <a:schemeClr val="accent1"/>
+          </a:effectRef>
+          <a:fontRef idx="minor">
+            <a:schemeClr val="lt1"/>
+          </a:fontRef>
+        </p:style>
+        <p:txBody>
+          <a:bodyPr rtlCol="0" anchor="ctr"/>
+          <a:lstStyle/>
+          <a:p>
+            <a:pPr algn="ctr"/>
+            <a:endParaRPr lang="en-US"/>
+          </a:p>
+        </p:txBody>
+      </p:sp>
+      <p:sp>
+        <p:nvSpPr>
+          <p:cNvPr id="28" name="Rectangle 27">
+            <a:extLst>
+              <a:ext uri="{FF2B5EF4-FFF2-40B4-BE49-F238E27FC236}">
+                <a16:creationId xmlns:a16="http://schemas.microsoft.com/office/drawing/2014/main" id="{111FA1C4-C97E-4F6D-652A-C31FE020B003}"/>
+              </a:ext>
+            </a:extLst>
+          </p:cNvPr>
+          <p:cNvSpPr/>
+          <p:nvPr/>
+        </p:nvSpPr>
+        <p:spPr>
+          <a:xfrm>
+            <a:off x="4190999" y="2982950"/>
+            <a:ext cx="901390" cy="334536"/>
+          </a:xfrm>
+          <a:prstGeom prst="rect">
+            <a:avLst/>
+          </a:prstGeom>
+        </p:spPr>
+        <p:style>
+          <a:lnRef idx="2">
+            <a:schemeClr val="accent1">
+              <a:shade val="15000"/>
+            </a:schemeClr>
+          </a:lnRef>
+          <a:fillRef idx="1">
+            <a:schemeClr val="accent1"/>
+          </a:fillRef>
+          <a:effectRef idx="0">
+            <a:schemeClr val="accent1"/>
+          </a:effectRef>
+          <a:fontRef idx="minor">
+            <a:schemeClr val="lt1"/>
+          </a:fontRef>
+        </p:style>
+        <p:txBody>
+          <a:bodyPr rtlCol="0" anchor="ctr"/>
+          <a:lstStyle/>
+          <a:p>
+            <a:pPr algn="ctr"/>
+            <a:endParaRPr lang="en-US"/>
+          </a:p>
+        </p:txBody>
+      </p:sp>
+      <p:sp>
+        <p:nvSpPr>
+          <p:cNvPr id="29" name="Rectangle 28">
+            <a:extLst>
+              <a:ext uri="{FF2B5EF4-FFF2-40B4-BE49-F238E27FC236}">
+                <a16:creationId xmlns:a16="http://schemas.microsoft.com/office/drawing/2014/main" id="{1EFB64CA-5AE3-AE9D-0B23-8E1A7BD43C0E}"/>
+              </a:ext>
+            </a:extLst>
+          </p:cNvPr>
+          <p:cNvSpPr/>
+          <p:nvPr/>
+        </p:nvSpPr>
+        <p:spPr>
+          <a:xfrm>
+            <a:off x="4190999" y="3326779"/>
+            <a:ext cx="901390" cy="334536"/>
+          </a:xfrm>
+          <a:prstGeom prst="rect">
+            <a:avLst/>
+          </a:prstGeom>
+        </p:spPr>
+        <p:style>
+          <a:lnRef idx="2">
+            <a:schemeClr val="accent1">
+              <a:shade val="15000"/>
+            </a:schemeClr>
+          </a:lnRef>
+          <a:fillRef idx="1">
+            <a:schemeClr val="accent1"/>
+          </a:fillRef>
+          <a:effectRef idx="0">
+            <a:schemeClr val="accent1"/>
+          </a:effectRef>
+          <a:fontRef idx="minor">
+            <a:schemeClr val="lt1"/>
+          </a:fontRef>
+        </p:style>
+        <p:txBody>
+          <a:bodyPr rtlCol="0" anchor="ctr"/>
+          <a:lstStyle/>
+          <a:p>
+            <a:pPr algn="ctr"/>
+            <a:endParaRPr lang="en-US"/>
+          </a:p>
+        </p:txBody>
+      </p:sp>
+      <p:sp>
+        <p:nvSpPr>
+          <p:cNvPr id="30" name="Rectangle 29">
+            <a:extLst>
+              <a:ext uri="{FF2B5EF4-FFF2-40B4-BE49-F238E27FC236}">
+                <a16:creationId xmlns:a16="http://schemas.microsoft.com/office/drawing/2014/main" id="{57C49699-6947-1A64-C36A-0729C33CC70D}"/>
+              </a:ext>
+            </a:extLst>
+          </p:cNvPr>
+          <p:cNvSpPr/>
+          <p:nvPr/>
+        </p:nvSpPr>
+        <p:spPr>
+          <a:xfrm>
+            <a:off x="4200291" y="3661315"/>
+            <a:ext cx="901390" cy="334536"/>
+          </a:xfrm>
+          <a:prstGeom prst="rect">
+            <a:avLst/>
+          </a:prstGeom>
+        </p:spPr>
+        <p:style>
+          <a:lnRef idx="2">
+            <a:schemeClr val="accent1">
+              <a:shade val="15000"/>
+            </a:schemeClr>
+          </a:lnRef>
+          <a:fillRef idx="1">
+            <a:schemeClr val="accent1"/>
+          </a:fillRef>
+          <a:effectRef idx="0">
+            <a:schemeClr val="accent1"/>
+          </a:effectRef>
+          <a:fontRef idx="minor">
+            <a:schemeClr val="lt1"/>
+          </a:fontRef>
+        </p:style>
+        <p:txBody>
+          <a:bodyPr rtlCol="0" anchor="ctr"/>
+          <a:lstStyle/>
+          <a:p>
+            <a:pPr algn="ctr"/>
+            <a:endParaRPr lang="en-US"/>
+          </a:p>
+        </p:txBody>
+      </p:sp>
+      <p:sp>
+        <p:nvSpPr>
+          <p:cNvPr id="31" name="Rectangle 30">
+            <a:extLst>
+              <a:ext uri="{FF2B5EF4-FFF2-40B4-BE49-F238E27FC236}">
+                <a16:creationId xmlns:a16="http://schemas.microsoft.com/office/drawing/2014/main" id="{597602EA-389D-FFFF-F626-71543A78A369}"/>
+              </a:ext>
+            </a:extLst>
+          </p:cNvPr>
+          <p:cNvSpPr/>
+          <p:nvPr/>
+        </p:nvSpPr>
+        <p:spPr>
+          <a:xfrm>
+            <a:off x="4200291" y="3995852"/>
+            <a:ext cx="901390" cy="399584"/>
+          </a:xfrm>
+          <a:prstGeom prst="rect">
+            <a:avLst/>
+          </a:prstGeom>
+        </p:spPr>
+        <p:style>
+          <a:lnRef idx="2">
+            <a:schemeClr val="accent1">
+              <a:shade val="15000"/>
+            </a:schemeClr>
+          </a:lnRef>
+          <a:fillRef idx="1">
+            <a:schemeClr val="accent1"/>
+          </a:fillRef>
+          <a:effectRef idx="0">
+            <a:schemeClr val="accent1"/>
+          </a:effectRef>
+          <a:fontRef idx="minor">
+            <a:schemeClr val="lt1"/>
+          </a:fontRef>
+        </p:style>
+        <p:txBody>
+          <a:bodyPr rtlCol="0" anchor="ctr"/>
+          <a:lstStyle/>
+          <a:p>
+            <a:pPr algn="ctr"/>
+            <a:endParaRPr lang="en-US"/>
+          </a:p>
+        </p:txBody>
+      </p:sp>
+      <p:sp>
+        <p:nvSpPr>
+          <p:cNvPr id="32" name="Rectangle 31">
+            <a:extLst>
+              <a:ext uri="{FF2B5EF4-FFF2-40B4-BE49-F238E27FC236}">
+                <a16:creationId xmlns:a16="http://schemas.microsoft.com/office/drawing/2014/main" id="{1F12008C-E2B2-F8A9-1857-C4C6E63AD142}"/>
+              </a:ext>
+            </a:extLst>
+          </p:cNvPr>
+          <p:cNvSpPr/>
+          <p:nvPr/>
+        </p:nvSpPr>
+        <p:spPr>
+          <a:xfrm>
+            <a:off x="4190999" y="4395437"/>
+            <a:ext cx="901390" cy="334536"/>
+          </a:xfrm>
+          <a:prstGeom prst="rect">
+            <a:avLst/>
+          </a:prstGeom>
+        </p:spPr>
+        <p:style>
+          <a:lnRef idx="2">
+            <a:schemeClr val="accent1">
+              <a:shade val="15000"/>
+            </a:schemeClr>
+          </a:lnRef>
+          <a:fillRef idx="1">
+            <a:schemeClr val="accent1"/>
+          </a:fillRef>
+          <a:effectRef idx="0">
+            <a:schemeClr val="accent1"/>
+          </a:effectRef>
+          <a:fontRef idx="minor">
+            <a:schemeClr val="lt1"/>
+          </a:fontRef>
+        </p:style>
+        <p:txBody>
+          <a:bodyPr rtlCol="0" anchor="ctr"/>
+          <a:lstStyle/>
+          <a:p>
+            <a:pPr algn="ctr"/>
+            <a:endParaRPr lang="en-US"/>
+          </a:p>
+        </p:txBody>
+      </p:sp>
+      <p:sp>
+        <p:nvSpPr>
+          <p:cNvPr id="33" name="Rectangle 32">
+            <a:extLst>
+              <a:ext uri="{FF2B5EF4-FFF2-40B4-BE49-F238E27FC236}">
+                <a16:creationId xmlns:a16="http://schemas.microsoft.com/office/drawing/2014/main" id="{40EDA538-C38D-F4A0-666F-8256727EDF9C}"/>
+              </a:ext>
+            </a:extLst>
+          </p:cNvPr>
+          <p:cNvSpPr/>
+          <p:nvPr/>
+        </p:nvSpPr>
+        <p:spPr>
+          <a:xfrm>
+            <a:off x="4190999" y="4729974"/>
+            <a:ext cx="901390" cy="334536"/>
+          </a:xfrm>
+          <a:prstGeom prst="rect">
+            <a:avLst/>
+          </a:prstGeom>
+        </p:spPr>
+        <p:style>
+          <a:lnRef idx="2">
+            <a:schemeClr val="accent1">
+              <a:shade val="15000"/>
+            </a:schemeClr>
+          </a:lnRef>
+          <a:fillRef idx="1">
+            <a:schemeClr val="accent1"/>
+          </a:fillRef>
+          <a:effectRef idx="0">
+            <a:schemeClr val="accent1"/>
+          </a:effectRef>
+          <a:fontRef idx="minor">
+            <a:schemeClr val="lt1"/>
+          </a:fontRef>
+        </p:style>
+        <p:txBody>
+          <a:bodyPr rtlCol="0" anchor="ctr"/>
+          <a:lstStyle/>
+          <a:p>
+            <a:pPr algn="ctr"/>
+            <a:endParaRPr lang="en-US"/>
+          </a:p>
+        </p:txBody>
+      </p:sp>
+      <p:sp>
+        <p:nvSpPr>
+          <p:cNvPr id="34" name="Rectangle 33">
+            <a:extLst>
+              <a:ext uri="{FF2B5EF4-FFF2-40B4-BE49-F238E27FC236}">
+                <a16:creationId xmlns:a16="http://schemas.microsoft.com/office/drawing/2014/main" id="{F57234C9-33CE-02FF-63C2-23D99406F587}"/>
+              </a:ext>
+            </a:extLst>
+          </p:cNvPr>
+          <p:cNvSpPr/>
+          <p:nvPr/>
+        </p:nvSpPr>
+        <p:spPr>
+          <a:xfrm>
+            <a:off x="4190999" y="5064510"/>
+            <a:ext cx="901390" cy="334536"/>
+          </a:xfrm>
+          <a:prstGeom prst="rect">
+            <a:avLst/>
+          </a:prstGeom>
+        </p:spPr>
+        <p:style>
+          <a:lnRef idx="2">
+            <a:schemeClr val="accent1">
+              <a:shade val="15000"/>
+            </a:schemeClr>
+          </a:lnRef>
+          <a:fillRef idx="1">
+            <a:schemeClr val="accent1"/>
+          </a:fillRef>
+          <a:effectRef idx="0">
+            <a:schemeClr val="accent1"/>
+          </a:effectRef>
+          <a:fontRef idx="minor">
+            <a:schemeClr val="lt1"/>
+          </a:fontRef>
+        </p:style>
+        <p:txBody>
+          <a:bodyPr rtlCol="0" anchor="ctr"/>
+          <a:lstStyle/>
+          <a:p>
+            <a:pPr algn="ctr"/>
+            <a:endParaRPr lang="en-US"/>
+          </a:p>
+        </p:txBody>
+      </p:sp>
+      <p:sp>
+        <p:nvSpPr>
+          <p:cNvPr id="35" name="Rectangle 34">
+            <a:extLst>
+              <a:ext uri="{FF2B5EF4-FFF2-40B4-BE49-F238E27FC236}">
+                <a16:creationId xmlns:a16="http://schemas.microsoft.com/office/drawing/2014/main" id="{C58433C6-32A6-442E-B651-6DE35033A7D8}"/>
+              </a:ext>
+            </a:extLst>
+          </p:cNvPr>
+          <p:cNvSpPr/>
+          <p:nvPr/>
+        </p:nvSpPr>
+        <p:spPr>
+          <a:xfrm>
+            <a:off x="3317487" y="2982950"/>
+            <a:ext cx="901390" cy="334536"/>
+          </a:xfrm>
+          <a:prstGeom prst="rect">
+            <a:avLst/>
+          </a:prstGeom>
+        </p:spPr>
+        <p:style>
+          <a:lnRef idx="2">
+            <a:schemeClr val="accent1">
+              <a:shade val="15000"/>
+            </a:schemeClr>
+          </a:lnRef>
+          <a:fillRef idx="1">
+            <a:schemeClr val="accent1"/>
+          </a:fillRef>
+          <a:effectRef idx="0">
+            <a:schemeClr val="accent1"/>
+          </a:effectRef>
+          <a:fontRef idx="minor">
+            <a:schemeClr val="lt1"/>
+          </a:fontRef>
+        </p:style>
+        <p:txBody>
+          <a:bodyPr rtlCol="0" anchor="ctr"/>
+          <a:lstStyle/>
+          <a:p>
+            <a:pPr algn="ctr"/>
+            <a:endParaRPr lang="en-US"/>
+          </a:p>
+        </p:txBody>
+      </p:sp>
+      <p:sp>
+        <p:nvSpPr>
+          <p:cNvPr id="36" name="Rectangle 35">
+            <a:extLst>
+              <a:ext uri="{FF2B5EF4-FFF2-40B4-BE49-F238E27FC236}">
+                <a16:creationId xmlns:a16="http://schemas.microsoft.com/office/drawing/2014/main" id="{E3B9A7B7-CB40-7394-0050-6034F31B5821}"/>
+              </a:ext>
+            </a:extLst>
+          </p:cNvPr>
+          <p:cNvSpPr/>
+          <p:nvPr/>
+        </p:nvSpPr>
+        <p:spPr>
+          <a:xfrm>
+            <a:off x="3317487" y="3326779"/>
+            <a:ext cx="901390" cy="334536"/>
+          </a:xfrm>
+          <a:prstGeom prst="rect">
+            <a:avLst/>
+          </a:prstGeom>
+        </p:spPr>
+        <p:style>
+          <a:lnRef idx="2">
+            <a:schemeClr val="accent1">
+              <a:shade val="15000"/>
+            </a:schemeClr>
+          </a:lnRef>
+          <a:fillRef idx="1">
+            <a:schemeClr val="accent1"/>
+          </a:fillRef>
+          <a:effectRef idx="0">
+            <a:schemeClr val="accent1"/>
+          </a:effectRef>
+          <a:fontRef idx="minor">
+            <a:schemeClr val="lt1"/>
+          </a:fontRef>
+        </p:style>
+        <p:txBody>
+          <a:bodyPr rtlCol="0" anchor="ctr"/>
+          <a:lstStyle/>
+          <a:p>
+            <a:pPr algn="ctr"/>
+            <a:endParaRPr lang="en-US"/>
+          </a:p>
+        </p:txBody>
+      </p:sp>
+      <p:sp>
+        <p:nvSpPr>
+          <p:cNvPr id="37" name="Rectangle 36">
+            <a:extLst>
+              <a:ext uri="{FF2B5EF4-FFF2-40B4-BE49-F238E27FC236}">
+                <a16:creationId xmlns:a16="http://schemas.microsoft.com/office/drawing/2014/main" id="{56F9B6F4-70F1-43F6-359A-2D62B891AB04}"/>
+              </a:ext>
+            </a:extLst>
+          </p:cNvPr>
+          <p:cNvSpPr/>
+          <p:nvPr/>
+        </p:nvSpPr>
+        <p:spPr>
+          <a:xfrm>
+            <a:off x="3326779" y="3661315"/>
+            <a:ext cx="901390" cy="334536"/>
+          </a:xfrm>
+          <a:prstGeom prst="rect">
+            <a:avLst/>
+          </a:prstGeom>
+          <a:solidFill>
+            <a:srgbClr val="FF0000"/>
+          </a:solidFill>
+        </p:spPr>
+        <p:style>
+          <a:lnRef idx="2">
+            <a:schemeClr val="accent1">
+              <a:shade val="15000"/>
+            </a:schemeClr>
+          </a:lnRef>
+          <a:fillRef idx="1">
+            <a:schemeClr val="accent1"/>
+          </a:fillRef>
+          <a:effectRef idx="0">
+            <a:schemeClr val="accent1"/>
+          </a:effectRef>
+          <a:fontRef idx="minor">
+            <a:schemeClr val="lt1"/>
+          </a:fontRef>
+        </p:style>
+        <p:txBody>
+          <a:bodyPr rtlCol="0" anchor="ctr"/>
+          <a:lstStyle/>
+          <a:p>
+            <a:pPr algn="ctr"/>
+            <a:endParaRPr lang="en-US"/>
+          </a:p>
+        </p:txBody>
+      </p:sp>
+      <p:sp>
+        <p:nvSpPr>
+          <p:cNvPr id="38" name="Rectangle 37">
+            <a:extLst>
+              <a:ext uri="{FF2B5EF4-FFF2-40B4-BE49-F238E27FC236}">
+                <a16:creationId xmlns:a16="http://schemas.microsoft.com/office/drawing/2014/main" id="{28CAF2FA-C152-3E43-1E58-A8854253DF23}"/>
+              </a:ext>
+            </a:extLst>
+          </p:cNvPr>
+          <p:cNvSpPr/>
+          <p:nvPr/>
+        </p:nvSpPr>
+        <p:spPr>
+          <a:xfrm>
+            <a:off x="3326779" y="3995852"/>
+            <a:ext cx="901390" cy="399584"/>
+          </a:xfrm>
+          <a:prstGeom prst="rect">
+            <a:avLst/>
+          </a:prstGeom>
+          <a:solidFill>
+            <a:srgbClr val="FF0000"/>
+          </a:solidFill>
+        </p:spPr>
+        <p:style>
+          <a:lnRef idx="2">
+            <a:schemeClr val="accent1">
+              <a:shade val="15000"/>
+            </a:schemeClr>
+          </a:lnRef>
+          <a:fillRef idx="1">
+            <a:schemeClr val="accent1"/>
+          </a:fillRef>
+          <a:effectRef idx="0">
+            <a:schemeClr val="accent1"/>
+          </a:effectRef>
+          <a:fontRef idx="minor">
+            <a:schemeClr val="lt1"/>
+          </a:fontRef>
+        </p:style>
+        <p:txBody>
+          <a:bodyPr rtlCol="0" anchor="ctr"/>
+          <a:lstStyle/>
+          <a:p>
+            <a:pPr algn="ctr"/>
+            <a:endParaRPr lang="en-US"/>
+          </a:p>
+        </p:txBody>
+      </p:sp>
+      <p:sp>
+        <p:nvSpPr>
+          <p:cNvPr id="39" name="Rectangle 38">
+            <a:extLst>
+              <a:ext uri="{FF2B5EF4-FFF2-40B4-BE49-F238E27FC236}">
+                <a16:creationId xmlns:a16="http://schemas.microsoft.com/office/drawing/2014/main" id="{B322485B-158D-C610-4C8E-54440FBE9BD2}"/>
+              </a:ext>
+            </a:extLst>
+          </p:cNvPr>
+          <p:cNvSpPr/>
+          <p:nvPr/>
+        </p:nvSpPr>
+        <p:spPr>
+          <a:xfrm>
+            <a:off x="3317487" y="4395437"/>
+            <a:ext cx="901390" cy="334536"/>
+          </a:xfrm>
+          <a:prstGeom prst="rect">
+            <a:avLst/>
+          </a:prstGeom>
+        </p:spPr>
+        <p:style>
+          <a:lnRef idx="2">
+            <a:schemeClr val="accent1">
+              <a:shade val="15000"/>
+            </a:schemeClr>
+          </a:lnRef>
+          <a:fillRef idx="1">
+            <a:schemeClr val="accent1"/>
+          </a:fillRef>
+          <a:effectRef idx="0">
+            <a:schemeClr val="accent1"/>
+          </a:effectRef>
+          <a:fontRef idx="minor">
+            <a:schemeClr val="lt1"/>
+          </a:fontRef>
+        </p:style>
+        <p:txBody>
+          <a:bodyPr rtlCol="0" anchor="ctr"/>
+          <a:lstStyle/>
+          <a:p>
+            <a:pPr algn="ctr"/>
+            <a:endParaRPr lang="en-US"/>
+          </a:p>
+        </p:txBody>
+      </p:sp>
+      <p:sp>
+        <p:nvSpPr>
+          <p:cNvPr id="40" name="Rectangle 39">
+            <a:extLst>
+              <a:ext uri="{FF2B5EF4-FFF2-40B4-BE49-F238E27FC236}">
+                <a16:creationId xmlns:a16="http://schemas.microsoft.com/office/drawing/2014/main" id="{5A96A6A3-33BF-192D-33E2-0959F30D5284}"/>
+              </a:ext>
+            </a:extLst>
+          </p:cNvPr>
+          <p:cNvSpPr/>
+          <p:nvPr/>
+        </p:nvSpPr>
+        <p:spPr>
+          <a:xfrm>
+            <a:off x="3317487" y="4729974"/>
+            <a:ext cx="901390" cy="334536"/>
+          </a:xfrm>
+          <a:prstGeom prst="rect">
+            <a:avLst/>
+          </a:prstGeom>
+        </p:spPr>
+        <p:style>
+          <a:lnRef idx="2">
+            <a:schemeClr val="accent1">
+              <a:shade val="15000"/>
+            </a:schemeClr>
+          </a:lnRef>
+          <a:fillRef idx="1">
+            <a:schemeClr val="accent1"/>
+          </a:fillRef>
+          <a:effectRef idx="0">
+            <a:schemeClr val="accent1"/>
+          </a:effectRef>
+          <a:fontRef idx="minor">
+            <a:schemeClr val="lt1"/>
+          </a:fontRef>
+        </p:style>
+        <p:txBody>
+          <a:bodyPr rtlCol="0" anchor="ctr"/>
+          <a:lstStyle/>
+          <a:p>
+            <a:pPr algn="ctr"/>
+            <a:endParaRPr lang="en-US"/>
+          </a:p>
+        </p:txBody>
+      </p:sp>
+      <p:sp>
+        <p:nvSpPr>
+          <p:cNvPr id="41" name="Rectangle 40">
+            <a:extLst>
+              <a:ext uri="{FF2B5EF4-FFF2-40B4-BE49-F238E27FC236}">
+                <a16:creationId xmlns:a16="http://schemas.microsoft.com/office/drawing/2014/main" id="{EB179831-879B-B503-0031-674BC975C3A0}"/>
+              </a:ext>
+            </a:extLst>
+          </p:cNvPr>
+          <p:cNvSpPr/>
+          <p:nvPr/>
+        </p:nvSpPr>
+        <p:spPr>
+          <a:xfrm>
+            <a:off x="3317487" y="5064510"/>
+            <a:ext cx="901390" cy="334536"/>
+          </a:xfrm>
+          <a:prstGeom prst="rect">
+            <a:avLst/>
+          </a:prstGeom>
+        </p:spPr>
+        <p:style>
+          <a:lnRef idx="2">
+            <a:schemeClr val="accent1">
+              <a:shade val="15000"/>
+            </a:schemeClr>
+          </a:lnRef>
+          <a:fillRef idx="1">
+            <a:schemeClr val="accent1"/>
+          </a:fillRef>
+          <a:effectRef idx="0">
+            <a:schemeClr val="accent1"/>
+          </a:effectRef>
+          <a:fontRef idx="minor">
+            <a:schemeClr val="lt1"/>
+          </a:fontRef>
+        </p:style>
+        <p:txBody>
+          <a:bodyPr rtlCol="0" anchor="ctr"/>
+          <a:lstStyle/>
+          <a:p>
+            <a:pPr algn="ctr"/>
+            <a:endParaRPr lang="en-US"/>
+          </a:p>
+        </p:txBody>
+      </p:sp>
+      <p:sp>
+        <p:nvSpPr>
+          <p:cNvPr id="42" name="TextBox 41">
+            <a:extLst>
+              <a:ext uri="{FF2B5EF4-FFF2-40B4-BE49-F238E27FC236}">
+                <a16:creationId xmlns:a16="http://schemas.microsoft.com/office/drawing/2014/main" id="{C97B95FF-5D63-4531-ADD4-90683EBAAC01}"/>
+              </a:ext>
+            </a:extLst>
+          </p:cNvPr>
+          <p:cNvSpPr txBox="1"/>
+          <p:nvPr/>
+        </p:nvSpPr>
+        <p:spPr>
+          <a:xfrm>
+            <a:off x="1533292" y="2248829"/>
+            <a:ext cx="2743200" cy="365760"/>
+          </a:xfrm>
+          <a:prstGeom prst="rect">
+            <a:avLst/>
+          </a:prstGeom>
+          <a:noFill/>
+        </p:spPr>
+        <p:txBody>
+          <a:bodyPr rot="0" spcFirstLastPara="0" vertOverflow="overflow" horzOverflow="overflow" vert="horz" wrap="square" lIns="91440" tIns="45720" rIns="91440" bIns="45720" numCol="1" spcCol="0" rtlCol="0" fromWordArt="0" anchor="t" anchorCtr="0" forceAA="0" compatLnSpc="1">
+            <a:prstTxWarp prst="textNoShape">
+              <a:avLst/>
+            </a:prstTxWarp>
+            <a:spAutoFit/>
+          </a:bodyPr>
+          <a:lstStyle/>
+          <a:p>
+            <a:r>
+              <a:rPr lang="en-US" dirty="0">
+                <a:ea typeface="Calibri"/>
+                <a:cs typeface="Calibri"/>
+              </a:rPr>
+              <a:t>Default empty schedule</a:t>
+            </a:r>
+            <a:endParaRPr lang="en-US" dirty="0"/>
+          </a:p>
+        </p:txBody>
+      </p:sp>
+      <p:sp>
+        <p:nvSpPr>
+          <p:cNvPr id="43" name="Rectangle 42">
+            <a:extLst>
+              <a:ext uri="{FF2B5EF4-FFF2-40B4-BE49-F238E27FC236}">
+                <a16:creationId xmlns:a16="http://schemas.microsoft.com/office/drawing/2014/main" id="{286ADBC1-B03E-C014-225A-88A6389A2E93}"/>
+              </a:ext>
+            </a:extLst>
+          </p:cNvPr>
+          <p:cNvSpPr/>
+          <p:nvPr/>
+        </p:nvSpPr>
+        <p:spPr>
+          <a:xfrm>
+            <a:off x="771292" y="5826511"/>
+            <a:ext cx="901390" cy="334536"/>
+          </a:xfrm>
+          <a:prstGeom prst="rect">
+            <a:avLst/>
+          </a:prstGeom>
+        </p:spPr>
+        <p:style>
+          <a:lnRef idx="2">
+            <a:schemeClr val="accent1">
+              <a:shade val="15000"/>
+            </a:schemeClr>
+          </a:lnRef>
+          <a:fillRef idx="1">
+            <a:schemeClr val="accent1"/>
+          </a:fillRef>
+          <a:effectRef idx="0">
+            <a:schemeClr val="accent1"/>
+          </a:effectRef>
+          <a:fontRef idx="minor">
+            <a:schemeClr val="lt1"/>
+          </a:fontRef>
+        </p:style>
+        <p:txBody>
+          <a:bodyPr rtlCol="0" anchor="ctr"/>
+          <a:lstStyle/>
+          <a:p>
+            <a:pPr algn="ctr"/>
+            <a:endParaRPr lang="en-US"/>
+          </a:p>
+        </p:txBody>
+      </p:sp>
+      <p:sp>
+        <p:nvSpPr>
+          <p:cNvPr id="44" name="Rectangle 43">
+            <a:extLst>
+              <a:ext uri="{FF2B5EF4-FFF2-40B4-BE49-F238E27FC236}">
+                <a16:creationId xmlns:a16="http://schemas.microsoft.com/office/drawing/2014/main" id="{976C430E-9C1A-03DA-CE42-CC6B23AB41E1}"/>
+              </a:ext>
+            </a:extLst>
+          </p:cNvPr>
+          <p:cNvSpPr/>
+          <p:nvPr/>
+        </p:nvSpPr>
+        <p:spPr>
+          <a:xfrm>
+            <a:off x="771292" y="6281852"/>
+            <a:ext cx="901390" cy="334536"/>
+          </a:xfrm>
+          <a:prstGeom prst="rect">
+            <a:avLst/>
+          </a:prstGeom>
+          <a:solidFill>
+            <a:srgbClr val="FF0000"/>
+          </a:solidFill>
+        </p:spPr>
+        <p:style>
+          <a:lnRef idx="2">
+            <a:schemeClr val="accent1">
+              <a:shade val="15000"/>
+            </a:schemeClr>
+          </a:lnRef>
+          <a:fillRef idx="1">
+            <a:schemeClr val="accent1"/>
+          </a:fillRef>
+          <a:effectRef idx="0">
+            <a:schemeClr val="accent1"/>
+          </a:effectRef>
+          <a:fontRef idx="minor">
+            <a:schemeClr val="lt1"/>
+          </a:fontRef>
+        </p:style>
+        <p:txBody>
+          <a:bodyPr rtlCol="0" anchor="ctr"/>
+          <a:lstStyle/>
+          <a:p>
+            <a:pPr algn="ctr"/>
+            <a:endParaRPr lang="en-US"/>
+          </a:p>
+        </p:txBody>
+      </p:sp>
+      <p:sp>
+        <p:nvSpPr>
+          <p:cNvPr id="45" name="TextBox 44">
+            <a:extLst>
+              <a:ext uri="{FF2B5EF4-FFF2-40B4-BE49-F238E27FC236}">
+                <a16:creationId xmlns:a16="http://schemas.microsoft.com/office/drawing/2014/main" id="{289061F7-B060-A1F1-CCEF-6BEA821257D4}"/>
+              </a:ext>
+            </a:extLst>
+          </p:cNvPr>
+          <p:cNvSpPr txBox="1"/>
+          <p:nvPr/>
+        </p:nvSpPr>
+        <p:spPr>
+          <a:xfrm>
+            <a:off x="1895707" y="5826512"/>
+            <a:ext cx="2743200" cy="365760"/>
+          </a:xfrm>
+          <a:prstGeom prst="rect">
+            <a:avLst/>
+          </a:prstGeom>
+          <a:noFill/>
+        </p:spPr>
+        <p:txBody>
+          <a:bodyPr rot="0" spcFirstLastPara="0" vertOverflow="overflow" horzOverflow="overflow" vert="horz" wrap="square" lIns="91440" tIns="45720" rIns="91440" bIns="45720" numCol="1" spcCol="0" rtlCol="0" fromWordArt="0" anchor="t" anchorCtr="0" forceAA="0" compatLnSpc="1">
+            <a:prstTxWarp prst="textNoShape">
+              <a:avLst/>
+            </a:prstTxWarp>
+            <a:spAutoFit/>
+          </a:bodyPr>
+          <a:lstStyle/>
+          <a:p>
+            <a:r>
+              <a:rPr lang="en-US" dirty="0">
+                <a:ea typeface="Calibri"/>
+                <a:cs typeface="Calibri"/>
+              </a:rPr>
+              <a:t>Empty slot</a:t>
+            </a:r>
+            <a:endParaRPr lang="en-US" dirty="0"/>
+          </a:p>
+        </p:txBody>
+      </p:sp>
+      <p:sp>
+        <p:nvSpPr>
+          <p:cNvPr id="46" name="TextBox 45">
+            <a:extLst>
+              <a:ext uri="{FF2B5EF4-FFF2-40B4-BE49-F238E27FC236}">
+                <a16:creationId xmlns:a16="http://schemas.microsoft.com/office/drawing/2014/main" id="{B9F5D0B7-2E03-C6D1-134A-077B00DDF5DF}"/>
+              </a:ext>
+            </a:extLst>
+          </p:cNvPr>
+          <p:cNvSpPr txBox="1"/>
+          <p:nvPr/>
+        </p:nvSpPr>
+        <p:spPr>
+          <a:xfrm>
+            <a:off x="1988634" y="6263268"/>
+            <a:ext cx="2743200" cy="365760"/>
+          </a:xfrm>
+          <a:prstGeom prst="rect">
+            <a:avLst/>
+          </a:prstGeom>
+          <a:noFill/>
+        </p:spPr>
+        <p:txBody>
+          <a:bodyPr rot="0" spcFirstLastPara="0" vertOverflow="overflow" horzOverflow="overflow" vert="horz" wrap="square" lIns="91440" tIns="45720" rIns="91440" bIns="45720" numCol="1" spcCol="0" rtlCol="0" fromWordArt="0" anchor="t" anchorCtr="0" forceAA="0" compatLnSpc="1">
+            <a:prstTxWarp prst="textNoShape">
+              <a:avLst/>
+            </a:prstTxWarp>
+            <a:spAutoFit/>
+          </a:bodyPr>
+          <a:lstStyle/>
+          <a:p>
+            <a:r>
+              <a:rPr lang="en-US" dirty="0">
+                <a:ea typeface="Calibri"/>
+                <a:cs typeface="Calibri"/>
+              </a:rPr>
+              <a:t>Not allowed slot</a:t>
+            </a:r>
+          </a:p>
+        </p:txBody>
+      </p:sp>
+      <p:graphicFrame>
+        <p:nvGraphicFramePr>
+          <p:cNvPr id="47" name="Table 46">
+            <a:extLst>
+              <a:ext uri="{FF2B5EF4-FFF2-40B4-BE49-F238E27FC236}">
+                <a16:creationId xmlns:a16="http://schemas.microsoft.com/office/drawing/2014/main" id="{8069A43C-4FCE-55B7-230A-2E8734FD77B5}"/>
+              </a:ext>
+            </a:extLst>
+          </p:cNvPr>
+          <p:cNvGraphicFramePr>
+            <a:graphicFrameLocks noGrp="1"/>
+          </p:cNvGraphicFramePr>
+          <p:nvPr>
+            <p:extLst>
+              <p:ext uri="{D42A27DB-BD31-4B8C-83A1-F6EECF244321}">
+                <p14:modId xmlns:p14="http://schemas.microsoft.com/office/powerpoint/2010/main" val="691511848"/>
+              </p:ext>
+            </p:extLst>
+          </p:nvPr>
+        </p:nvGraphicFramePr>
+        <p:xfrm>
+          <a:off x="7025268" y="2797097"/>
+          <a:ext cx="4711600" cy="3345564"/>
+        </p:xfrm>
+        <a:graphic>
+          <a:graphicData uri="http://schemas.openxmlformats.org/drawingml/2006/table">
+            <a:tbl>
+              <a:tblPr firstRow="1" bandRow="1">
+                <a:tableStyleId>{5C22544A-7EE6-4342-B048-85BDC9FD1C3A}</a:tableStyleId>
+              </a:tblPr>
+              <a:tblGrid>
+                <a:gridCol w="1177900">
+                  <a:extLst>
+                    <a:ext uri="{9D8B030D-6E8A-4147-A177-3AD203B41FA5}">
+                      <a16:colId xmlns:a16="http://schemas.microsoft.com/office/drawing/2014/main" val="3136932639"/>
+                    </a:ext>
+                  </a:extLst>
+                </a:gridCol>
+                <a:gridCol w="1177900">
+                  <a:extLst>
+                    <a:ext uri="{9D8B030D-6E8A-4147-A177-3AD203B41FA5}">
+                      <a16:colId xmlns:a16="http://schemas.microsoft.com/office/drawing/2014/main" val="671171486"/>
+                    </a:ext>
+                  </a:extLst>
+                </a:gridCol>
+                <a:gridCol w="1177900">
+                  <a:extLst>
+                    <a:ext uri="{9D8B030D-6E8A-4147-A177-3AD203B41FA5}">
+                      <a16:colId xmlns:a16="http://schemas.microsoft.com/office/drawing/2014/main" val="1701756953"/>
+                    </a:ext>
+                  </a:extLst>
+                </a:gridCol>
+                <a:gridCol w="1177900">
+                  <a:extLst>
+                    <a:ext uri="{9D8B030D-6E8A-4147-A177-3AD203B41FA5}">
+                      <a16:colId xmlns:a16="http://schemas.microsoft.com/office/drawing/2014/main" val="1599097261"/>
+                    </a:ext>
+                  </a:extLst>
+                </a:gridCol>
+              </a:tblGrid>
+              <a:tr h="557594">
+                <a:tc>
+                  <a:txBody>
+                    <a:bodyPr/>
+                    <a:lstStyle/>
+                    <a:p>
+                      <a:r>
+                        <a:rPr lang="en-US" dirty="0"/>
+                        <a:t>id</a:t>
+                      </a:r>
+                    </a:p>
+                  </a:txBody>
+                  <a:tcPr/>
+                </a:tc>
+                <a:tc>
+                  <a:txBody>
+                    <a:bodyPr/>
+                    <a:lstStyle/>
+                    <a:p>
+                      <a:r>
+                        <a:rPr lang="en-US" dirty="0"/>
+                        <a:t>professor</a:t>
+                      </a:r>
+                    </a:p>
+                  </a:txBody>
+                  <a:tcPr/>
+                </a:tc>
+                <a:tc>
+                  <a:txBody>
+                    <a:bodyPr/>
+                    <a:lstStyle/>
+                    <a:p>
+                      <a:r>
+                        <a:rPr lang="en-US" dirty="0"/>
+                        <a:t>course</a:t>
+                      </a:r>
+                    </a:p>
+                  </a:txBody>
+                  <a:tcPr/>
+                </a:tc>
+                <a:tc>
+                  <a:txBody>
+                    <a:bodyPr/>
+                    <a:lstStyle/>
+                    <a:p>
+                      <a:r>
+                        <a:rPr lang="en-US" dirty="0"/>
+                        <a:t>slot</a:t>
+                      </a:r>
+                    </a:p>
+                  </a:txBody>
+                  <a:tcPr/>
+                </a:tc>
+                <a:extLst>
+                  <a:ext uri="{0D108BD9-81ED-4DB2-BD59-A6C34878D82A}">
+                    <a16:rowId xmlns:a16="http://schemas.microsoft.com/office/drawing/2014/main" val="2084869647"/>
+                  </a:ext>
+                </a:extLst>
+              </a:tr>
+              <a:tr h="557594">
+                <a:tc>
+                  <a:txBody>
+                    <a:bodyPr/>
+                    <a:lstStyle/>
+                    <a:p>
+                      <a:r>
+                        <a:rPr lang="en-US" dirty="0"/>
+                        <a:t>1</a:t>
+                      </a:r>
+                    </a:p>
+                  </a:txBody>
+                  <a:tcPr/>
+                </a:tc>
+                <a:tc>
+                  <a:txBody>
+                    <a:bodyPr/>
+                    <a:lstStyle/>
+                    <a:p>
+                      <a:r>
+                        <a:rPr lang="en-US" dirty="0"/>
+                        <a:t>john</a:t>
+                      </a:r>
+                    </a:p>
+                  </a:txBody>
+                  <a:tcPr/>
+                </a:tc>
+                <a:tc>
+                  <a:txBody>
+                    <a:bodyPr/>
+                    <a:lstStyle/>
+                    <a:p>
+                      <a:r>
+                        <a:rPr lang="en-US" dirty="0"/>
+                        <a:t>CS101</a:t>
+                      </a:r>
+                    </a:p>
+                  </a:txBody>
+                  <a:tcPr/>
+                </a:tc>
+                <a:tc>
+                  <a:txBody>
+                    <a:bodyPr/>
+                    <a:lstStyle/>
+                    <a:p>
+                      <a:r>
+                        <a:rPr lang="en-US" dirty="0"/>
+                        <a:t>1</a:t>
+                      </a:r>
+                    </a:p>
+                  </a:txBody>
+                  <a:tcPr/>
+                </a:tc>
+                <a:extLst>
+                  <a:ext uri="{0D108BD9-81ED-4DB2-BD59-A6C34878D82A}">
+                    <a16:rowId xmlns:a16="http://schemas.microsoft.com/office/drawing/2014/main" val="2921176047"/>
+                  </a:ext>
+                </a:extLst>
+              </a:tr>
+              <a:tr h="557594">
+                <a:tc>
+                  <a:txBody>
+                    <a:bodyPr/>
+                    <a:lstStyle/>
+                    <a:p>
+                      <a:r>
+                        <a:rPr lang="en-US" dirty="0"/>
+                        <a:t>2</a:t>
+                      </a:r>
+                    </a:p>
+                  </a:txBody>
+                  <a:tcPr/>
+                </a:tc>
+                <a:tc>
+                  <a:txBody>
+                    <a:bodyPr/>
+                    <a:lstStyle/>
+                    <a:p>
+                      <a:r>
+                        <a:rPr lang="en-US" dirty="0"/>
+                        <a:t>Sarah</a:t>
+                      </a:r>
+                    </a:p>
+                  </a:txBody>
+                  <a:tcPr/>
+                </a:tc>
+                <a:tc>
+                  <a:txBody>
+                    <a:bodyPr/>
+                    <a:lstStyle/>
+                    <a:p>
+                      <a:r>
+                        <a:rPr lang="en-US" dirty="0"/>
+                        <a:t>CS103</a:t>
+                      </a:r>
+                    </a:p>
+                  </a:txBody>
+                  <a:tcPr/>
+                </a:tc>
+                <a:tc>
+                  <a:txBody>
+                    <a:bodyPr/>
+                    <a:lstStyle/>
+                    <a:p>
+                      <a:r>
+                        <a:rPr lang="en-US" dirty="0"/>
+                        <a:t>2</a:t>
+                      </a:r>
+                    </a:p>
+                  </a:txBody>
+                  <a:tcPr/>
+                </a:tc>
+                <a:extLst>
+                  <a:ext uri="{0D108BD9-81ED-4DB2-BD59-A6C34878D82A}">
+                    <a16:rowId xmlns:a16="http://schemas.microsoft.com/office/drawing/2014/main" val="2693467580"/>
+                  </a:ext>
+                </a:extLst>
+              </a:tr>
+              <a:tr h="557594">
+                <a:tc>
+                  <a:txBody>
+                    <a:bodyPr/>
+                    <a:lstStyle/>
+                    <a:p>
+                      <a:r>
+                        <a:rPr lang="en-US" dirty="0"/>
+                        <a:t>3</a:t>
+                      </a:r>
+                    </a:p>
+                  </a:txBody>
+                  <a:tcPr/>
+                </a:tc>
+                <a:tc>
+                  <a:txBody>
+                    <a:bodyPr/>
+                    <a:lstStyle/>
+                    <a:p>
+                      <a:r>
+                        <a:rPr lang="en-US" dirty="0"/>
+                        <a:t>Matt</a:t>
+                      </a:r>
+                    </a:p>
+                  </a:txBody>
+                  <a:tcPr/>
+                </a:tc>
+                <a:tc>
+                  <a:txBody>
+                    <a:bodyPr/>
+                    <a:lstStyle/>
+                    <a:p>
+                      <a:r>
+                        <a:rPr lang="en-US" dirty="0"/>
+                        <a:t>Java</a:t>
+                      </a:r>
+                    </a:p>
+                  </a:txBody>
+                  <a:tcPr/>
+                </a:tc>
+                <a:tc>
+                  <a:txBody>
+                    <a:bodyPr/>
+                    <a:lstStyle/>
+                    <a:p>
+                      <a:r>
+                        <a:rPr lang="en-US" dirty="0"/>
+                        <a:t>1</a:t>
+                      </a:r>
+                    </a:p>
+                  </a:txBody>
+                  <a:tcPr/>
+                </a:tc>
+                <a:extLst>
+                  <a:ext uri="{0D108BD9-81ED-4DB2-BD59-A6C34878D82A}">
+                    <a16:rowId xmlns:a16="http://schemas.microsoft.com/office/drawing/2014/main" val="2642204618"/>
+                  </a:ext>
+                </a:extLst>
+              </a:tr>
+              <a:tr h="557594">
+                <a:tc>
+                  <a:txBody>
+                    <a:bodyPr/>
+                    <a:lstStyle/>
+                    <a:p>
+                      <a:r>
+                        <a:rPr lang="en-US" dirty="0"/>
+                        <a:t>4</a:t>
+                      </a:r>
+                    </a:p>
+                  </a:txBody>
+                  <a:tcPr/>
+                </a:tc>
+                <a:tc>
+                  <a:txBody>
+                    <a:bodyPr/>
+                    <a:lstStyle/>
+                    <a:p>
+                      <a:r>
+                        <a:rPr lang="en-US" dirty="0"/>
+                        <a:t>….</a:t>
+                      </a:r>
+                    </a:p>
+                  </a:txBody>
+                  <a:tcPr/>
+                </a:tc>
+                <a:tc>
+                  <a:txBody>
+                    <a:bodyPr/>
+                    <a:lstStyle/>
+                    <a:p>
+                      <a:r>
+                        <a:rPr lang="en-US" dirty="0"/>
+                        <a:t>...</a:t>
+                      </a:r>
+                    </a:p>
+                  </a:txBody>
+                  <a:tcPr/>
+                </a:tc>
+                <a:tc>
+                  <a:txBody>
+                    <a:bodyPr/>
+                    <a:lstStyle/>
+                    <a:p>
+                      <a:r>
+                        <a:rPr lang="en-US" dirty="0"/>
+                        <a:t>..</a:t>
+                      </a:r>
+                    </a:p>
+                  </a:txBody>
+                  <a:tcPr/>
+                </a:tc>
+                <a:extLst>
+                  <a:ext uri="{0D108BD9-81ED-4DB2-BD59-A6C34878D82A}">
+                    <a16:rowId xmlns:a16="http://schemas.microsoft.com/office/drawing/2014/main" val="1675747854"/>
+                  </a:ext>
+                </a:extLst>
+              </a:tr>
+              <a:tr h="557594">
+                <a:tc>
+                  <a:txBody>
+                    <a:bodyPr/>
+                    <a:lstStyle/>
+                    <a:p>
+                      <a:r>
+                        <a:rPr lang="en-US" dirty="0"/>
+                        <a:t>5</a:t>
+                      </a:r>
+                    </a:p>
+                  </a:txBody>
+                  <a:tcPr/>
+                </a:tc>
+                <a:tc>
+                  <a:txBody>
+                    <a:bodyPr/>
+                    <a:lstStyle/>
+                    <a:p>
+                      <a:r>
+                        <a:rPr lang="en-US" dirty="0"/>
+                        <a:t>….</a:t>
+                      </a:r>
+                    </a:p>
+                  </a:txBody>
+                  <a:tcPr/>
+                </a:tc>
+                <a:tc>
+                  <a:txBody>
+                    <a:bodyPr/>
+                    <a:lstStyle/>
+                    <a:p>
+                      <a:r>
+                        <a:rPr lang="en-US" dirty="0"/>
+                        <a:t>….</a:t>
+                      </a:r>
+                    </a:p>
+                  </a:txBody>
+                  <a:tcPr/>
+                </a:tc>
+                <a:tc>
+                  <a:txBody>
+                    <a:bodyPr/>
+                    <a:lstStyle/>
+                    <a:p>
+                      <a:r>
+                        <a:rPr lang="en-US" dirty="0"/>
+                        <a:t>….</a:t>
+                      </a:r>
+                    </a:p>
+                  </a:txBody>
+                  <a:tcPr/>
+                </a:tc>
+                <a:extLst>
+                  <a:ext uri="{0D108BD9-81ED-4DB2-BD59-A6C34878D82A}">
+                    <a16:rowId xmlns:a16="http://schemas.microsoft.com/office/drawing/2014/main" val="3648797517"/>
+                  </a:ext>
+                </a:extLst>
+              </a:tr>
+            </a:tbl>
+          </a:graphicData>
+        </a:graphic>
+      </p:graphicFrame>
+      <p:sp>
+        <p:nvSpPr>
+          <p:cNvPr id="48" name="TextBox 47">
+            <a:extLst>
+              <a:ext uri="{FF2B5EF4-FFF2-40B4-BE49-F238E27FC236}">
+                <a16:creationId xmlns:a16="http://schemas.microsoft.com/office/drawing/2014/main" id="{CF9CA08D-5431-DF6A-7F6B-39A56EB764F6}"/>
+              </a:ext>
+            </a:extLst>
+          </p:cNvPr>
+          <p:cNvSpPr txBox="1"/>
+          <p:nvPr/>
+        </p:nvSpPr>
+        <p:spPr>
+          <a:xfrm>
+            <a:off x="8075341" y="2248829"/>
+            <a:ext cx="2743200" cy="365760"/>
+          </a:xfrm>
+          <a:prstGeom prst="rect">
+            <a:avLst/>
+          </a:prstGeom>
+          <a:noFill/>
+        </p:spPr>
+        <p:txBody>
+          <a:bodyPr rot="0" spcFirstLastPara="0" vertOverflow="overflow" horzOverflow="overflow" vert="horz" wrap="square" lIns="91440" tIns="45720" rIns="91440" bIns="45720" numCol="1" spcCol="0" rtlCol="0" fromWordArt="0" anchor="t" anchorCtr="0" forceAA="0" compatLnSpc="1">
+            <a:prstTxWarp prst="textNoShape">
+              <a:avLst/>
+            </a:prstTxWarp>
+            <a:spAutoFit/>
+          </a:bodyPr>
+          <a:lstStyle/>
+          <a:p>
+            <a:r>
+              <a:rPr lang="en-US" dirty="0">
+                <a:ea typeface="Calibri"/>
+                <a:cs typeface="Calibri"/>
+              </a:rPr>
+              <a:t>List of availabilities</a:t>
+            </a:r>
+            <a:endParaRPr lang="en-US" dirty="0"/>
+          </a:p>
+        </p:txBody>
+      </p:sp>
+    </p:spTree>
+    <p:extLst>
+      <p:ext uri="{BB962C8B-B14F-4D97-AF65-F5344CB8AC3E}">
+        <p14:creationId xmlns:p14="http://schemas.microsoft.com/office/powerpoint/2010/main" val="2485881533"/>
+      </p:ext>
+    </p:extLst>
+  </p:cSld>
+  <p:clrMapOvr>
+    <a:masterClrMapping/>
+  </p:clrMapOvr>
+</p:sld>
+</file>
+
 <file path=ppt/theme/theme1.xml><?xml version="1.0" encoding="utf-8"?>
 <a:theme xmlns:a="http://schemas.openxmlformats.org/drawingml/2006/main" name="office theme">
   <a:themeElements>
